--- a/Fihirana Fanampiny/FF 4.pptx
+++ b/Fihirana Fanampiny/FF 4.pptx
@@ -110,6 +110,22 @@
       </a:defRPr>
     </a:lvl9pPr>
   </p:defaultTextStyle>
+  <p:extLst>
+    <p:ext uri="{EFAFB233-063F-42B5-8137-9DF3F51BA10A}">
+      <p15:sldGuideLst xmlns:p15="http://schemas.microsoft.com/office/powerpoint/2012/main">
+        <p15:guide id="1" orient="horz" pos="1620">
+          <p15:clr>
+            <a:srgbClr val="A4A3A4"/>
+          </p15:clr>
+        </p15:guide>
+        <p15:guide id="2" pos="2880">
+          <p15:clr>
+            <a:srgbClr val="A4A3A4"/>
+          </p15:clr>
+        </p15:guide>
+      </p15:sldGuideLst>
+    </p:ext>
+  </p:extLst>
 </p:presentation>
 </file>
 
@@ -294,7 +310,7 @@
           <a:p>
             <a:fld id="{40A411D0-565C-4DC2-8295-0B96B49EDFC7}" type="datetimeFigureOut">
               <a:rPr lang="fr-FR" smtClean="0"/>
-              <a:t>06/07/2014</a:t>
+              <a:t>04/05/2025</a:t>
             </a:fld>
             <a:endParaRPr lang="fr-FR"/>
           </a:p>
@@ -459,7 +475,7 @@
           <a:p>
             <a:fld id="{40A411D0-565C-4DC2-8295-0B96B49EDFC7}" type="datetimeFigureOut">
               <a:rPr lang="fr-FR" smtClean="0"/>
-              <a:t>06/07/2014</a:t>
+              <a:t>04/05/2025</a:t>
             </a:fld>
             <a:endParaRPr lang="fr-FR"/>
           </a:p>
@@ -634,7 +650,7 @@
           <a:p>
             <a:fld id="{40A411D0-565C-4DC2-8295-0B96B49EDFC7}" type="datetimeFigureOut">
               <a:rPr lang="fr-FR" smtClean="0"/>
-              <a:t>06/07/2014</a:t>
+              <a:t>04/05/2025</a:t>
             </a:fld>
             <a:endParaRPr lang="fr-FR"/>
           </a:p>
@@ -799,7 +815,7 @@
           <a:p>
             <a:fld id="{40A411D0-565C-4DC2-8295-0B96B49EDFC7}" type="datetimeFigureOut">
               <a:rPr lang="fr-FR" smtClean="0"/>
-              <a:t>06/07/2014</a:t>
+              <a:t>04/05/2025</a:t>
             </a:fld>
             <a:endParaRPr lang="fr-FR"/>
           </a:p>
@@ -1040,7 +1056,7 @@
           <a:p>
             <a:fld id="{40A411D0-565C-4DC2-8295-0B96B49EDFC7}" type="datetimeFigureOut">
               <a:rPr lang="fr-FR" smtClean="0"/>
-              <a:t>06/07/2014</a:t>
+              <a:t>04/05/2025</a:t>
             </a:fld>
             <a:endParaRPr lang="fr-FR"/>
           </a:p>
@@ -1323,7 +1339,7 @@
           <a:p>
             <a:fld id="{40A411D0-565C-4DC2-8295-0B96B49EDFC7}" type="datetimeFigureOut">
               <a:rPr lang="fr-FR" smtClean="0"/>
-              <a:t>06/07/2014</a:t>
+              <a:t>04/05/2025</a:t>
             </a:fld>
             <a:endParaRPr lang="fr-FR"/>
           </a:p>
@@ -1740,7 +1756,7 @@
           <a:p>
             <a:fld id="{40A411D0-565C-4DC2-8295-0B96B49EDFC7}" type="datetimeFigureOut">
               <a:rPr lang="fr-FR" smtClean="0"/>
-              <a:t>06/07/2014</a:t>
+              <a:t>04/05/2025</a:t>
             </a:fld>
             <a:endParaRPr lang="fr-FR"/>
           </a:p>
@@ -1853,7 +1869,7 @@
           <a:p>
             <a:fld id="{40A411D0-565C-4DC2-8295-0B96B49EDFC7}" type="datetimeFigureOut">
               <a:rPr lang="fr-FR" smtClean="0"/>
-              <a:t>06/07/2014</a:t>
+              <a:t>04/05/2025</a:t>
             </a:fld>
             <a:endParaRPr lang="fr-FR"/>
           </a:p>
@@ -1943,7 +1959,7 @@
           <a:p>
             <a:fld id="{40A411D0-565C-4DC2-8295-0B96B49EDFC7}" type="datetimeFigureOut">
               <a:rPr lang="fr-FR" smtClean="0"/>
-              <a:t>06/07/2014</a:t>
+              <a:t>04/05/2025</a:t>
             </a:fld>
             <a:endParaRPr lang="fr-FR"/>
           </a:p>
@@ -2215,7 +2231,7 @@
           <a:p>
             <a:fld id="{40A411D0-565C-4DC2-8295-0B96B49EDFC7}" type="datetimeFigureOut">
               <a:rPr lang="fr-FR" smtClean="0"/>
-              <a:t>06/07/2014</a:t>
+              <a:t>04/05/2025</a:t>
             </a:fld>
             <a:endParaRPr lang="fr-FR"/>
           </a:p>
@@ -2463,7 +2479,7 @@
           <a:p>
             <a:fld id="{40A411D0-565C-4DC2-8295-0B96B49EDFC7}" type="datetimeFigureOut">
               <a:rPr lang="fr-FR" smtClean="0"/>
-              <a:t>06/07/2014</a:t>
+              <a:t>04/05/2025</a:t>
             </a:fld>
             <a:endParaRPr lang="fr-FR"/>
           </a:p>
@@ -2700,7 +2716,7 @@
           <a:p>
             <a:fld id="{40A411D0-565C-4DC2-8295-0B96B49EDFC7}" type="datetimeFigureOut">
               <a:rPr lang="fr-FR" smtClean="0"/>
-              <a:t>06/07/2014</a:t>
+              <a:t>04/05/2025</a:t>
             </a:fld>
             <a:endParaRPr lang="fr-FR"/>
           </a:p>
@@ -3216,7 +3232,7 @@
         </p:nvSpPr>
         <p:spPr>
           <a:xfrm>
-            <a:off x="0" y="195486"/>
+            <a:off x="0" y="-20538"/>
             <a:ext cx="9036496" cy="5112568"/>
           </a:xfrm>
         </p:spPr>
@@ -3229,7 +3245,7 @@
             <a:r>
               <a:rPr lang="en-GB" sz="5400" b="1" dirty="0" smtClean="0">
                 <a:solidFill>
-                  <a:srgbClr val="0070C0"/>
+                  <a:srgbClr val="100B0F"/>
                 </a:solidFill>
               </a:rPr>
               <a:t/>
@@ -3237,30 +3253,22 @@
             <a:br>
               <a:rPr lang="en-GB" sz="5400" b="1" dirty="0" smtClean="0">
                 <a:solidFill>
-                  <a:srgbClr val="0070C0"/>
+                  <a:srgbClr val="100B0F"/>
                 </a:solidFill>
               </a:rPr>
             </a:br>
             <a:r>
               <a:rPr lang="en-GB" sz="5400" b="1" dirty="0" smtClean="0">
                 <a:solidFill>
-                  <a:srgbClr val="0070C0"/>
-                </a:solidFill>
-              </a:rPr>
-              <a:t>1</a:t>
-            </a:r>
-            <a:r>
-              <a:rPr lang="en-GB" sz="5400" b="1" dirty="0" smtClean="0">
-                <a:solidFill>
-                  <a:srgbClr val="0070C0"/>
-                </a:solidFill>
-              </a:rPr>
-              <a:t>) </a:t>
-            </a:r>
-            <a:r>
-              <a:rPr lang="en-GB" sz="5400" b="1" dirty="0" err="1">
-                <a:solidFill>
-                  <a:srgbClr val="0070C0"/>
+                  <a:srgbClr val="100B0F"/>
+                </a:solidFill>
+              </a:rPr>
+              <a:t>1) </a:t>
+            </a:r>
+            <a:r>
+              <a:rPr lang="en-GB" sz="5400" b="1" dirty="0" err="1">
+                <a:solidFill>
+                  <a:srgbClr val="100B0F"/>
                 </a:solidFill>
               </a:rPr>
               <a:t>Ry</a:t>
@@ -3268,15 +3276,15 @@
             <a:r>
               <a:rPr lang="en-GB" sz="5400" b="1" dirty="0">
                 <a:solidFill>
-                  <a:srgbClr val="0070C0"/>
-                </a:solidFill>
-              </a:rPr>
-              <a:t> </a:t>
-            </a:r>
-            <a:r>
-              <a:rPr lang="en-GB" sz="5400" b="1" dirty="0" err="1">
-                <a:solidFill>
-                  <a:srgbClr val="0070C0"/>
+                  <a:srgbClr val="100B0F"/>
+                </a:solidFill>
+              </a:rPr>
+              <a:t> </a:t>
+            </a:r>
+            <a:r>
+              <a:rPr lang="en-GB" sz="5400" b="1" dirty="0" err="1">
+                <a:solidFill>
+                  <a:srgbClr val="100B0F"/>
                 </a:solidFill>
               </a:rPr>
               <a:t>Fanahy</a:t>
@@ -3284,7 +3292,7 @@
             <a:r>
               <a:rPr lang="en-GB" sz="5400" b="1" dirty="0">
                 <a:solidFill>
-                  <a:srgbClr val="0070C0"/>
+                  <a:srgbClr val="100B0F"/>
                 </a:solidFill>
               </a:rPr>
               <a:t> ô ! </a:t>
@@ -3292,7 +3300,7 @@
             <a:r>
               <a:rPr lang="en-GB" sz="5400" b="1" dirty="0" err="1" smtClean="0">
                 <a:solidFill>
-                  <a:srgbClr val="0070C0"/>
+                  <a:srgbClr val="100B0F"/>
                 </a:solidFill>
               </a:rPr>
               <a:t>Midina</a:t>
@@ -3300,7 +3308,7 @@
             <a:r>
               <a:rPr lang="fr-FR" sz="5400" b="1" dirty="0">
                 <a:solidFill>
-                  <a:srgbClr val="0070C0"/>
+                  <a:srgbClr val="100B0F"/>
                 </a:solidFill>
               </a:rPr>
               <a:t/>
@@ -3308,14 +3316,14 @@
             <a:br>
               <a:rPr lang="fr-FR" sz="5400" b="1" dirty="0">
                 <a:solidFill>
-                  <a:srgbClr val="0070C0"/>
+                  <a:srgbClr val="100B0F"/>
                 </a:solidFill>
               </a:rPr>
             </a:br>
             <a:r>
               <a:rPr lang="en-GB" sz="5400" b="1" dirty="0" err="1" smtClean="0">
                 <a:solidFill>
-                  <a:srgbClr val="0070C0"/>
+                  <a:srgbClr val="100B0F"/>
                 </a:solidFill>
               </a:rPr>
               <a:t>Manatreha</a:t>
@@ -3323,15 +3331,15 @@
             <a:r>
               <a:rPr lang="en-GB" sz="5400" b="1" dirty="0" smtClean="0">
                 <a:solidFill>
-                  <a:srgbClr val="0070C0"/>
-                </a:solidFill>
-              </a:rPr>
-              <a:t> </a:t>
-            </a:r>
-            <a:r>
-              <a:rPr lang="en-GB" sz="5400" b="1" dirty="0" err="1">
-                <a:solidFill>
-                  <a:srgbClr val="0070C0"/>
+                  <a:srgbClr val="100B0F"/>
+                </a:solidFill>
+              </a:rPr>
+              <a:t> </a:t>
+            </a:r>
+            <a:r>
+              <a:rPr lang="en-GB" sz="5400" b="1" dirty="0" err="1">
+                <a:solidFill>
+                  <a:srgbClr val="100B0F"/>
                 </a:solidFill>
               </a:rPr>
               <a:t>anay</a:t>
@@ -3339,15 +3347,15 @@
             <a:r>
               <a:rPr lang="en-GB" sz="5400" b="1" dirty="0">
                 <a:solidFill>
-                  <a:srgbClr val="0070C0"/>
-                </a:solidFill>
-              </a:rPr>
-              <a:t> </a:t>
-            </a:r>
-            <a:r>
-              <a:rPr lang="en-GB" sz="5400" b="1" dirty="0" err="1">
-                <a:solidFill>
-                  <a:srgbClr val="0070C0"/>
+                  <a:srgbClr val="100B0F"/>
+                </a:solidFill>
+              </a:rPr>
+              <a:t> </a:t>
+            </a:r>
+            <a:r>
+              <a:rPr lang="en-GB" sz="5400" b="1" dirty="0" err="1">
+                <a:solidFill>
+                  <a:srgbClr val="100B0F"/>
                 </a:solidFill>
               </a:rPr>
               <a:t>anio</a:t>
@@ -3355,15 +3363,15 @@
             <a:r>
               <a:rPr lang="en-GB" sz="5400" b="1" dirty="0">
                 <a:solidFill>
-                  <a:srgbClr val="0070C0"/>
-                </a:solidFill>
-              </a:rPr>
-              <a:t> </a:t>
-            </a:r>
-            <a:r>
-              <a:rPr lang="en-GB" sz="5400" b="1" dirty="0" err="1">
-                <a:solidFill>
-                  <a:srgbClr val="0070C0"/>
+                  <a:srgbClr val="100B0F"/>
+                </a:solidFill>
+              </a:rPr>
+              <a:t> </a:t>
+            </a:r>
+            <a:r>
+              <a:rPr lang="en-GB" sz="5400" b="1" dirty="0" err="1">
+                <a:solidFill>
+                  <a:srgbClr val="100B0F"/>
                 </a:solidFill>
               </a:rPr>
               <a:t>Ianao</a:t>
@@ -3371,7 +3379,7 @@
             <a:r>
               <a:rPr lang="fr-FR" sz="5400" b="1" dirty="0">
                 <a:solidFill>
-                  <a:srgbClr val="0070C0"/>
+                  <a:srgbClr val="100B0F"/>
                 </a:solidFill>
               </a:rPr>
               <a:t/>
@@ -3379,14 +3387,14 @@
             <a:br>
               <a:rPr lang="fr-FR" sz="5400" b="1" dirty="0">
                 <a:solidFill>
-                  <a:srgbClr val="0070C0"/>
+                  <a:srgbClr val="100B0F"/>
                 </a:solidFill>
               </a:rPr>
             </a:br>
             <a:r>
               <a:rPr lang="en-GB" sz="5400" b="1" dirty="0" err="1" smtClean="0">
                 <a:solidFill>
-                  <a:srgbClr val="0070C0"/>
+                  <a:srgbClr val="100B0F"/>
                 </a:solidFill>
               </a:rPr>
               <a:t>Mba</a:t>
@@ -3394,7 +3402,7 @@
             <a:r>
               <a:rPr lang="en-GB" sz="5400" b="1" dirty="0" smtClean="0">
                 <a:solidFill>
-                  <a:srgbClr val="0070C0"/>
+                  <a:srgbClr val="100B0F"/>
                 </a:solidFill>
               </a:rPr>
               <a:t> </a:t>
@@ -3402,7 +3410,7 @@
             <a:r>
               <a:rPr lang="en-GB" sz="5400" b="1" dirty="0" err="1" smtClean="0">
                 <a:solidFill>
-                  <a:srgbClr val="0070C0"/>
+                  <a:srgbClr val="100B0F"/>
                 </a:solidFill>
               </a:rPr>
               <a:t>hanoloranay</a:t>
@@ -3410,7 +3418,7 @@
             <a:r>
               <a:rPr lang="en-GB" sz="5400" b="1" dirty="0" smtClean="0">
                 <a:solidFill>
-                  <a:srgbClr val="0070C0"/>
+                  <a:srgbClr val="100B0F"/>
                 </a:solidFill>
               </a:rPr>
               <a:t> </a:t>
@@ -3418,14 +3426,14 @@
             <a:br>
               <a:rPr lang="en-GB" sz="5400" b="1" dirty="0" smtClean="0">
                 <a:solidFill>
-                  <a:srgbClr val="0070C0"/>
+                  <a:srgbClr val="100B0F"/>
                 </a:solidFill>
               </a:rPr>
             </a:br>
             <a:r>
               <a:rPr lang="en-GB" sz="5400" b="1" dirty="0" err="1" smtClean="0">
                 <a:solidFill>
-                  <a:srgbClr val="0070C0"/>
+                  <a:srgbClr val="100B0F"/>
                 </a:solidFill>
               </a:rPr>
               <a:t>Ny</a:t>
@@ -3433,15 +3441,15 @@
             <a:r>
               <a:rPr lang="en-GB" sz="5400" b="1" dirty="0" smtClean="0">
                 <a:solidFill>
-                  <a:srgbClr val="0070C0"/>
-                </a:solidFill>
-              </a:rPr>
-              <a:t> </a:t>
-            </a:r>
-            <a:r>
-              <a:rPr lang="en-GB" sz="5400" b="1" dirty="0" err="1">
-                <a:solidFill>
-                  <a:srgbClr val="0070C0"/>
+                  <a:srgbClr val="100B0F"/>
+                </a:solidFill>
+              </a:rPr>
+              <a:t> </a:t>
+            </a:r>
+            <a:r>
+              <a:rPr lang="en-GB" sz="5400" b="1" dirty="0" err="1">
+                <a:solidFill>
+                  <a:srgbClr val="100B0F"/>
                 </a:solidFill>
               </a:rPr>
               <a:t>vavakay</a:t>
@@ -3449,15 +3457,15 @@
             <a:r>
               <a:rPr lang="en-GB" sz="5400" b="1" dirty="0">
                 <a:solidFill>
-                  <a:srgbClr val="0070C0"/>
-                </a:solidFill>
-              </a:rPr>
-              <a:t> </a:t>
-            </a:r>
-            <a:r>
-              <a:rPr lang="en-GB" sz="5400" b="1" dirty="0" err="1">
-                <a:solidFill>
-                  <a:srgbClr val="0070C0"/>
+                  <a:srgbClr val="100B0F"/>
+                </a:solidFill>
+              </a:rPr>
+              <a:t> </a:t>
+            </a:r>
+            <a:r>
+              <a:rPr lang="en-GB" sz="5400" b="1" dirty="0" err="1">
+                <a:solidFill>
+                  <a:srgbClr val="100B0F"/>
                 </a:solidFill>
               </a:rPr>
               <a:t>mangina</a:t>
@@ -3465,7 +3473,7 @@
             <a:r>
               <a:rPr lang="en-GB" sz="5400" b="1" dirty="0">
                 <a:solidFill>
-                  <a:srgbClr val="0070C0"/>
+                  <a:srgbClr val="100B0F"/>
                 </a:solidFill>
               </a:rPr>
               <a:t>,</a:t>
@@ -3473,7 +3481,7 @@
             <a:r>
               <a:rPr lang="fr-FR" sz="5400" b="1" dirty="0">
                 <a:solidFill>
-                  <a:srgbClr val="0070C0"/>
+                  <a:srgbClr val="100B0F"/>
                 </a:solidFill>
               </a:rPr>
               <a:t/>
@@ -3481,14 +3489,14 @@
             <a:br>
               <a:rPr lang="fr-FR" sz="5400" b="1" dirty="0">
                 <a:solidFill>
-                  <a:srgbClr val="0070C0"/>
+                  <a:srgbClr val="100B0F"/>
                 </a:solidFill>
               </a:rPr>
             </a:br>
             <a:r>
               <a:rPr lang="en-GB" sz="5400" b="1" dirty="0" err="1" smtClean="0">
                 <a:solidFill>
-                  <a:srgbClr val="0070C0"/>
+                  <a:srgbClr val="100B0F"/>
                 </a:solidFill>
               </a:rPr>
               <a:t>Vetsovetsom-po</a:t>
@@ -3496,7 +3504,7 @@
             <a:r>
               <a:rPr lang="en-GB" sz="5400" b="1" dirty="0" smtClean="0">
                 <a:solidFill>
-                  <a:srgbClr val="0070C0"/>
+                  <a:srgbClr val="100B0F"/>
                 </a:solidFill>
               </a:rPr>
               <a:t> ‘</a:t>
@@ -3504,7 +3512,7 @@
             <a:r>
               <a:rPr lang="en-GB" sz="5400" b="1" dirty="0" err="1" smtClean="0">
                 <a:solidFill>
-                  <a:srgbClr val="0070C0"/>
+                  <a:srgbClr val="100B0F"/>
                 </a:solidFill>
               </a:rPr>
               <a:t>zay</a:t>
@@ -3512,7 +3520,7 @@
             <a:r>
               <a:rPr lang="en-GB" sz="5400" b="1" dirty="0" smtClean="0">
                 <a:solidFill>
-                  <a:srgbClr val="0070C0"/>
+                  <a:srgbClr val="100B0F"/>
                 </a:solidFill>
               </a:rPr>
               <a:t> </a:t>
@@ -3520,7 +3528,7 @@
             <a:r>
               <a:rPr lang="en-GB" sz="5400" b="1" dirty="0" err="1" smtClean="0">
                 <a:solidFill>
-                  <a:srgbClr val="0070C0"/>
+                  <a:srgbClr val="100B0F"/>
                 </a:solidFill>
               </a:rPr>
               <a:t>atolotray</a:t>
@@ -3528,7 +3536,7 @@
             <a:r>
               <a:rPr lang="fr-FR" sz="5400" b="1" dirty="0">
                 <a:solidFill>
-                  <a:srgbClr val="0070C0"/>
+                  <a:srgbClr val="100B0F"/>
                 </a:solidFill>
               </a:rPr>
               <a:t/>
@@ -3536,13 +3544,13 @@
             <a:br>
               <a:rPr lang="fr-FR" sz="5400" b="1" dirty="0">
                 <a:solidFill>
-                  <a:srgbClr val="0070C0"/>
+                  <a:srgbClr val="100B0F"/>
                 </a:solidFill>
               </a:rPr>
             </a:br>
             <a:endParaRPr lang="fr-FR" sz="5400" b="1" dirty="0">
               <a:solidFill>
-                <a:srgbClr val="0070C0"/>
+                <a:srgbClr val="100B0F"/>
               </a:solidFill>
             </a:endParaRPr>
           </a:p>
@@ -3598,7 +3606,7 @@
             <a:r>
               <a:rPr lang="en-GB" sz="5400" b="1" dirty="0" err="1" smtClean="0">
                 <a:solidFill>
-                  <a:srgbClr val="0070C0"/>
+                  <a:srgbClr val="100B0F"/>
                 </a:solidFill>
               </a:rPr>
               <a:t>Vola</a:t>
@@ -3606,7 +3614,7 @@
             <a:r>
               <a:rPr lang="en-GB" sz="5400" b="1" dirty="0" smtClean="0">
                 <a:solidFill>
-                  <a:srgbClr val="0070C0"/>
+                  <a:srgbClr val="100B0F"/>
                 </a:solidFill>
               </a:rPr>
               <a:t> </a:t>
@@ -3614,7 +3622,7 @@
             <a:r>
               <a:rPr lang="en-GB" sz="5400" b="1" dirty="0" err="1" smtClean="0">
                 <a:solidFill>
-                  <a:srgbClr val="0070C0"/>
+                  <a:srgbClr val="100B0F"/>
                 </a:solidFill>
               </a:rPr>
               <a:t>sy</a:t>
@@ -3622,7 +3630,7 @@
             <a:r>
               <a:rPr lang="en-GB" sz="5400" b="1" dirty="0" smtClean="0">
                 <a:solidFill>
-                  <a:srgbClr val="0070C0"/>
+                  <a:srgbClr val="100B0F"/>
                 </a:solidFill>
               </a:rPr>
               <a:t> </a:t>
@@ -3630,7 +3638,7 @@
             <a:r>
               <a:rPr lang="en-GB" sz="5400" b="1" dirty="0" err="1" smtClean="0">
                 <a:solidFill>
-                  <a:srgbClr val="0070C0"/>
+                  <a:srgbClr val="100B0F"/>
                 </a:solidFill>
               </a:rPr>
               <a:t>ny</a:t>
@@ -3638,7 +3646,7 @@
             <a:r>
               <a:rPr lang="en-GB" sz="5400" b="1" dirty="0" smtClean="0">
                 <a:solidFill>
-                  <a:srgbClr val="0070C0"/>
+                  <a:srgbClr val="100B0F"/>
                 </a:solidFill>
               </a:rPr>
               <a:t> </a:t>
@@ -3646,7 +3654,7 @@
             <a:r>
               <a:rPr lang="en-GB" sz="5400" b="1" dirty="0" err="1" smtClean="0">
                 <a:solidFill>
-                  <a:srgbClr val="0070C0"/>
+                  <a:srgbClr val="100B0F"/>
                 </a:solidFill>
               </a:rPr>
               <a:t>harena</a:t>
@@ -3654,7 +3662,7 @@
             <a:r>
               <a:rPr lang="en-GB" sz="5400" b="1" dirty="0" smtClean="0">
                 <a:solidFill>
-                  <a:srgbClr val="0070C0"/>
+                  <a:srgbClr val="100B0F"/>
                 </a:solidFill>
               </a:rPr>
               <a:t> </a:t>
@@ -3662,14 +3670,14 @@
             <a:br>
               <a:rPr lang="en-GB" sz="5400" b="1" dirty="0" smtClean="0">
                 <a:solidFill>
-                  <a:srgbClr val="0070C0"/>
+                  <a:srgbClr val="100B0F"/>
                 </a:solidFill>
               </a:rPr>
             </a:br>
             <a:r>
               <a:rPr lang="en-GB" sz="5400" b="1" dirty="0" err="1" smtClean="0">
                 <a:solidFill>
-                  <a:srgbClr val="0070C0"/>
+                  <a:srgbClr val="100B0F"/>
                 </a:solidFill>
               </a:rPr>
               <a:t>Samy</a:t>
@@ -3677,15 +3685,15 @@
             <a:r>
               <a:rPr lang="en-GB" sz="5400" b="1" dirty="0" smtClean="0">
                 <a:solidFill>
-                  <a:srgbClr val="0070C0"/>
-                </a:solidFill>
-              </a:rPr>
-              <a:t> </a:t>
-            </a:r>
-            <a:r>
-              <a:rPr lang="en-GB" sz="5400" b="1" dirty="0" err="1">
-                <a:solidFill>
-                  <a:srgbClr val="0070C0"/>
+                  <a:srgbClr val="100B0F"/>
+                </a:solidFill>
+              </a:rPr>
+              <a:t> </a:t>
+            </a:r>
+            <a:r>
+              <a:rPr lang="en-GB" sz="5400" b="1" dirty="0" err="1">
+                <a:solidFill>
+                  <a:srgbClr val="100B0F"/>
                 </a:solidFill>
               </a:rPr>
               <a:t>tsy</a:t>
@@ -3693,15 +3701,15 @@
             <a:r>
               <a:rPr lang="en-GB" sz="5400" b="1" dirty="0">
                 <a:solidFill>
-                  <a:srgbClr val="0070C0"/>
-                </a:solidFill>
-              </a:rPr>
-              <a:t> </a:t>
-            </a:r>
-            <a:r>
-              <a:rPr lang="en-GB" sz="5400" b="1" dirty="0" err="1">
-                <a:solidFill>
-                  <a:srgbClr val="0070C0"/>
+                  <a:srgbClr val="100B0F"/>
+                </a:solidFill>
+              </a:rPr>
+              <a:t> </a:t>
+            </a:r>
+            <a:r>
+              <a:rPr lang="en-GB" sz="5400" b="1" dirty="0" err="1">
+                <a:solidFill>
+                  <a:srgbClr val="100B0F"/>
                 </a:solidFill>
               </a:rPr>
               <a:t>anananay</a:t>
@@ -3709,7 +3717,7 @@
             <a:r>
               <a:rPr lang="en-GB" sz="5400" b="1" dirty="0">
                 <a:solidFill>
-                  <a:srgbClr val="0070C0"/>
+                  <a:srgbClr val="100B0F"/>
                 </a:solidFill>
               </a:rPr>
               <a:t>, </a:t>
@@ -3717,7 +3725,7 @@
             <a:r>
               <a:rPr lang="fr-FR" sz="5400" b="1" dirty="0">
                 <a:solidFill>
-                  <a:srgbClr val="0070C0"/>
+                  <a:srgbClr val="100B0F"/>
                 </a:solidFill>
               </a:rPr>
               <a:t/>
@@ -3725,14 +3733,14 @@
             <a:br>
               <a:rPr lang="fr-FR" sz="5400" b="1" dirty="0">
                 <a:solidFill>
-                  <a:srgbClr val="0070C0"/>
+                  <a:srgbClr val="100B0F"/>
                 </a:solidFill>
               </a:rPr>
             </a:br>
             <a:r>
               <a:rPr lang="en-GB" sz="5400" b="1" dirty="0" err="1" smtClean="0">
                 <a:solidFill>
-                  <a:srgbClr val="0070C0"/>
+                  <a:srgbClr val="100B0F"/>
                 </a:solidFill>
               </a:rPr>
               <a:t>Fa</a:t>
@@ -3740,7 +3748,7 @@
             <a:r>
               <a:rPr lang="en-GB" sz="5400" b="1" dirty="0" smtClean="0">
                 <a:solidFill>
-                  <a:srgbClr val="0070C0"/>
+                  <a:srgbClr val="100B0F"/>
                 </a:solidFill>
               </a:rPr>
               <a:t> </a:t>
@@ -3748,7 +3756,7 @@
             <a:r>
               <a:rPr lang="en-GB" sz="5400" b="1" dirty="0" err="1" smtClean="0">
                 <a:solidFill>
-                  <a:srgbClr val="0070C0"/>
+                  <a:srgbClr val="100B0F"/>
                 </a:solidFill>
               </a:rPr>
               <a:t>indro</a:t>
@@ -3756,7 +3764,7 @@
             <a:r>
               <a:rPr lang="en-GB" sz="5400" b="1" dirty="0" smtClean="0">
                 <a:solidFill>
-                  <a:srgbClr val="0070C0"/>
+                  <a:srgbClr val="100B0F"/>
                 </a:solidFill>
               </a:rPr>
               <a:t>, </a:t>
@@ -3764,7 +3772,7 @@
             <a:r>
               <a:rPr lang="en-GB" sz="5400" b="1" dirty="0" err="1" smtClean="0">
                 <a:solidFill>
-                  <a:srgbClr val="0070C0"/>
+                  <a:srgbClr val="100B0F"/>
                 </a:solidFill>
               </a:rPr>
               <a:t>indro</a:t>
@@ -3772,15 +3780,15 @@
             <a:r>
               <a:rPr lang="en-GB" sz="5400" b="1" dirty="0" smtClean="0">
                 <a:solidFill>
-                  <a:srgbClr val="0070C0"/>
-                </a:solidFill>
-              </a:rPr>
-              <a:t> </a:t>
-            </a:r>
-            <a:r>
-              <a:rPr lang="en-GB" sz="5400" b="1" dirty="0" err="1">
-                <a:solidFill>
-                  <a:srgbClr val="0070C0"/>
+                  <a:srgbClr val="100B0F"/>
+                </a:solidFill>
+              </a:rPr>
+              <a:t> </a:t>
+            </a:r>
+            <a:r>
+              <a:rPr lang="en-GB" sz="5400" b="1" dirty="0" err="1">
+                <a:solidFill>
+                  <a:srgbClr val="100B0F"/>
                 </a:solidFill>
               </a:rPr>
               <a:t>vavaka</a:t>
@@ -3788,15 +3796,15 @@
             <a:r>
               <a:rPr lang="en-GB" sz="5400" b="1" dirty="0">
                 <a:solidFill>
-                  <a:srgbClr val="0070C0"/>
-                </a:solidFill>
-              </a:rPr>
-              <a:t> </a:t>
-            </a:r>
-            <a:r>
-              <a:rPr lang="en-GB" sz="5400" b="1" dirty="0" err="1">
-                <a:solidFill>
-                  <a:srgbClr val="0070C0"/>
+                  <a:srgbClr val="100B0F"/>
+                </a:solidFill>
+              </a:rPr>
+              <a:t> </a:t>
+            </a:r>
+            <a:r>
+              <a:rPr lang="en-GB" sz="5400" b="1" dirty="0" err="1">
+                <a:solidFill>
+                  <a:srgbClr val="100B0F"/>
                 </a:solidFill>
               </a:rPr>
               <a:t>mangina</a:t>
@@ -3804,7 +3812,7 @@
             <a:r>
               <a:rPr lang="fr-FR" sz="5400" b="1" dirty="0">
                 <a:solidFill>
-                  <a:srgbClr val="0070C0"/>
+                  <a:srgbClr val="100B0F"/>
                 </a:solidFill>
               </a:rPr>
               <a:t/>
@@ -3812,14 +3820,14 @@
             <a:br>
               <a:rPr lang="fr-FR" sz="5400" b="1" dirty="0">
                 <a:solidFill>
-                  <a:srgbClr val="0070C0"/>
+                  <a:srgbClr val="100B0F"/>
                 </a:solidFill>
               </a:rPr>
             </a:br>
             <a:r>
               <a:rPr lang="en-GB" sz="5400" b="1" dirty="0" err="1" smtClean="0">
                 <a:solidFill>
-                  <a:srgbClr val="0070C0"/>
+                  <a:srgbClr val="100B0F"/>
                 </a:solidFill>
               </a:rPr>
               <a:t>Fanoloran-tena</a:t>
@@ -3827,7 +3835,7 @@
             <a:r>
               <a:rPr lang="en-GB" sz="5400" b="1" dirty="0" smtClean="0">
                 <a:solidFill>
-                  <a:srgbClr val="0070C0"/>
+                  <a:srgbClr val="100B0F"/>
                 </a:solidFill>
               </a:rPr>
               <a:t> ho </a:t>
@@ -3835,7 +3843,7 @@
             <a:r>
               <a:rPr lang="en-GB" sz="5400" b="1" dirty="0" err="1">
                 <a:solidFill>
-                  <a:srgbClr val="0070C0"/>
+                  <a:srgbClr val="100B0F"/>
                 </a:solidFill>
               </a:rPr>
               <a:t>Anao</a:t>
@@ -3843,15 +3851,15 @@
             <a:r>
               <a:rPr lang="en-GB" sz="5400" b="1" dirty="0">
                 <a:solidFill>
-                  <a:srgbClr val="0070C0"/>
-                </a:solidFill>
-              </a:rPr>
-              <a:t> </a:t>
-            </a:r>
-            <a:r>
-              <a:rPr lang="en-GB" sz="5400" b="1" dirty="0" err="1">
-                <a:solidFill>
-                  <a:srgbClr val="0070C0"/>
+                  <a:srgbClr val="100B0F"/>
+                </a:solidFill>
+              </a:rPr>
+              <a:t> </a:t>
+            </a:r>
+            <a:r>
+              <a:rPr lang="en-GB" sz="5400" b="1" dirty="0" err="1">
+                <a:solidFill>
+                  <a:srgbClr val="100B0F"/>
                 </a:solidFill>
               </a:rPr>
               <a:t>tokoa</a:t>
@@ -3859,14 +3867,14 @@
             <a:r>
               <a:rPr lang="en-GB" sz="5400" b="1" dirty="0" smtClean="0">
                 <a:solidFill>
-                  <a:srgbClr val="0070C0"/>
+                  <a:srgbClr val="100B0F"/>
                 </a:solidFill>
               </a:rPr>
               <a:t>.</a:t>
             </a:r>
             <a:endParaRPr lang="fr-FR" sz="5400" b="1" dirty="0">
               <a:solidFill>
-                <a:srgbClr val="0070C0"/>
+                <a:srgbClr val="100B0F"/>
               </a:solidFill>
             </a:endParaRPr>
           </a:p>
@@ -3927,7 +3935,7 @@
             <a:r>
               <a:rPr lang="en-GB" sz="5400" b="1" dirty="0" smtClean="0">
                 <a:solidFill>
-                  <a:srgbClr val="0070C0"/>
+                  <a:srgbClr val="100B0F"/>
                 </a:solidFill>
               </a:rPr>
               <a:t/>
@@ -3935,14 +3943,14 @@
             <a:br>
               <a:rPr lang="en-GB" sz="5400" b="1" dirty="0" smtClean="0">
                 <a:solidFill>
-                  <a:srgbClr val="0070C0"/>
+                  <a:srgbClr val="100B0F"/>
                 </a:solidFill>
               </a:rPr>
             </a:br>
             <a:r>
               <a:rPr lang="en-GB" sz="5400" b="1" dirty="0">
                 <a:solidFill>
-                  <a:srgbClr val="0070C0"/>
+                  <a:srgbClr val="100B0F"/>
                 </a:solidFill>
               </a:rPr>
               <a:t/>
@@ -3950,14 +3958,14 @@
             <a:br>
               <a:rPr lang="en-GB" sz="5400" b="1" dirty="0">
                 <a:solidFill>
-                  <a:srgbClr val="0070C0"/>
+                  <a:srgbClr val="100B0F"/>
                 </a:solidFill>
               </a:rPr>
             </a:br>
             <a:r>
               <a:rPr lang="en-GB" sz="5400" b="1" dirty="0" smtClean="0">
                 <a:solidFill>
-                  <a:srgbClr val="0070C0"/>
+                  <a:srgbClr val="100B0F"/>
                 </a:solidFill>
               </a:rPr>
               <a:t/>
@@ -3965,14 +3973,14 @@
             <a:br>
               <a:rPr lang="en-GB" sz="5400" b="1" dirty="0" smtClean="0">
                 <a:solidFill>
-                  <a:srgbClr val="0070C0"/>
+                  <a:srgbClr val="100B0F"/>
                 </a:solidFill>
               </a:rPr>
             </a:br>
             <a:r>
               <a:rPr lang="en-GB" sz="5400" b="1" dirty="0" smtClean="0">
                 <a:solidFill>
-                  <a:srgbClr val="0070C0"/>
+                  <a:srgbClr val="100B0F"/>
                 </a:solidFill>
               </a:rPr>
               <a:t>2</a:t>
@@ -3980,7 +3988,7 @@
             <a:r>
               <a:rPr lang="en-GB" sz="5400" b="1" dirty="0">
                 <a:solidFill>
-                  <a:srgbClr val="0070C0"/>
+                  <a:srgbClr val="100B0F"/>
                 </a:solidFill>
               </a:rPr>
               <a:t>) </a:t>
@@ -3988,7 +3996,7 @@
             <a:r>
               <a:rPr lang="en-GB" sz="5400" b="1" dirty="0" err="1">
                 <a:solidFill>
-                  <a:srgbClr val="0070C0"/>
+                  <a:srgbClr val="100B0F"/>
                 </a:solidFill>
               </a:rPr>
               <a:t>Ry</a:t>
@@ -3996,15 +4004,15 @@
             <a:r>
               <a:rPr lang="en-GB" sz="5400" b="1" dirty="0">
                 <a:solidFill>
-                  <a:srgbClr val="0070C0"/>
-                </a:solidFill>
-              </a:rPr>
-              <a:t> </a:t>
-            </a:r>
-            <a:r>
-              <a:rPr lang="en-GB" sz="5400" b="1" dirty="0" err="1">
-                <a:solidFill>
-                  <a:srgbClr val="0070C0"/>
+                  <a:srgbClr val="100B0F"/>
+                </a:solidFill>
+              </a:rPr>
+              <a:t> </a:t>
+            </a:r>
+            <a:r>
+              <a:rPr lang="en-GB" sz="5400" b="1" dirty="0" err="1">
+                <a:solidFill>
+                  <a:srgbClr val="100B0F"/>
                 </a:solidFill>
               </a:rPr>
               <a:t>Fanahy</a:t>
@@ -4012,7 +4020,7 @@
             <a:r>
               <a:rPr lang="en-GB" sz="5400" b="1" dirty="0">
                 <a:solidFill>
-                  <a:srgbClr val="0070C0"/>
+                  <a:srgbClr val="100B0F"/>
                 </a:solidFill>
               </a:rPr>
               <a:t> ô ! </a:t>
@@ -4020,7 +4028,7 @@
             <a:r>
               <a:rPr lang="en-GB" sz="5400" b="1" dirty="0" err="1">
                 <a:solidFill>
-                  <a:srgbClr val="0070C0"/>
+                  <a:srgbClr val="100B0F"/>
                 </a:solidFill>
               </a:rPr>
               <a:t>Monena</a:t>
@@ -4028,7 +4036,7 @@
             <a:r>
               <a:rPr lang="en-GB" sz="5400" b="1" dirty="0">
                 <a:solidFill>
-                  <a:srgbClr val="0070C0"/>
+                  <a:srgbClr val="100B0F"/>
                 </a:solidFill>
               </a:rPr>
               <a:t/>
@@ -4036,14 +4044,14 @@
             <a:br>
               <a:rPr lang="en-GB" sz="5400" b="1" dirty="0">
                 <a:solidFill>
-                  <a:srgbClr val="0070C0"/>
+                  <a:srgbClr val="100B0F"/>
                 </a:solidFill>
               </a:rPr>
             </a:br>
             <a:r>
               <a:rPr lang="en-GB" sz="5400" b="1" dirty="0" err="1">
                 <a:solidFill>
-                  <a:srgbClr val="0070C0"/>
+                  <a:srgbClr val="100B0F"/>
                 </a:solidFill>
               </a:rPr>
               <a:t>Aza</a:t>
@@ -4051,15 +4059,15 @@
             <a:r>
               <a:rPr lang="en-GB" sz="5400" b="1" dirty="0">
                 <a:solidFill>
-                  <a:srgbClr val="0070C0"/>
-                </a:solidFill>
-              </a:rPr>
-              <a:t> </a:t>
-            </a:r>
-            <a:r>
-              <a:rPr lang="en-GB" sz="5400" b="1" dirty="0" err="1">
-                <a:solidFill>
-                  <a:srgbClr val="0070C0"/>
+                  <a:srgbClr val="100B0F"/>
+                </a:solidFill>
+              </a:rPr>
+              <a:t> </a:t>
+            </a:r>
+            <a:r>
+              <a:rPr lang="en-GB" sz="5400" b="1" dirty="0" err="1">
+                <a:solidFill>
+                  <a:srgbClr val="100B0F"/>
                 </a:solidFill>
               </a:rPr>
               <a:t>mba</a:t>
@@ -4067,15 +4075,15 @@
             <a:r>
               <a:rPr lang="en-GB" sz="5400" b="1" dirty="0">
                 <a:solidFill>
-                  <a:srgbClr val="0070C0"/>
-                </a:solidFill>
-              </a:rPr>
-              <a:t> </a:t>
-            </a:r>
-            <a:r>
-              <a:rPr lang="en-GB" sz="5400" b="1" dirty="0" err="1">
-                <a:solidFill>
-                  <a:srgbClr val="0070C0"/>
+                  <a:srgbClr val="100B0F"/>
+                </a:solidFill>
+              </a:rPr>
+              <a:t> </a:t>
+            </a:r>
+            <a:r>
+              <a:rPr lang="en-GB" sz="5400" b="1" dirty="0" err="1">
+                <a:solidFill>
+                  <a:srgbClr val="100B0F"/>
                 </a:solidFill>
               </a:rPr>
               <a:t>mandao</a:t>
@@ -4083,15 +4091,15 @@
             <a:r>
               <a:rPr lang="en-GB" sz="5400" b="1" dirty="0">
                 <a:solidFill>
-                  <a:srgbClr val="0070C0"/>
-                </a:solidFill>
-              </a:rPr>
-              <a:t> </a:t>
-            </a:r>
-            <a:r>
-              <a:rPr lang="en-GB" sz="5400" b="1" dirty="0" err="1">
-                <a:solidFill>
-                  <a:srgbClr val="0070C0"/>
+                  <a:srgbClr val="100B0F"/>
+                </a:solidFill>
+              </a:rPr>
+              <a:t> </a:t>
+            </a:r>
+            <a:r>
+              <a:rPr lang="en-GB" sz="5400" b="1" dirty="0" err="1">
+                <a:solidFill>
+                  <a:srgbClr val="100B0F"/>
                 </a:solidFill>
               </a:rPr>
               <a:t>anay</a:t>
@@ -4099,15 +4107,15 @@
             <a:r>
               <a:rPr lang="en-GB" sz="5400" b="1" dirty="0">
                 <a:solidFill>
-                  <a:srgbClr val="0070C0"/>
-                </a:solidFill>
-              </a:rPr>
-              <a:t> </a:t>
-            </a:r>
-            <a:r>
-              <a:rPr lang="en-GB" sz="5400" b="1" dirty="0" err="1">
-                <a:solidFill>
-                  <a:srgbClr val="0070C0"/>
+                  <a:srgbClr val="100B0F"/>
+                </a:solidFill>
+              </a:rPr>
+              <a:t> </a:t>
+            </a:r>
+            <a:r>
+              <a:rPr lang="en-GB" sz="5400" b="1" dirty="0" err="1">
+                <a:solidFill>
+                  <a:srgbClr val="100B0F"/>
                 </a:solidFill>
               </a:rPr>
               <a:t>Ianao</a:t>
@@ -4115,7 +4123,7 @@
             <a:r>
               <a:rPr lang="en-GB" sz="5400" b="1" dirty="0">
                 <a:solidFill>
-                  <a:srgbClr val="0070C0"/>
+                  <a:srgbClr val="100B0F"/>
                 </a:solidFill>
               </a:rPr>
               <a:t>,</a:t>
@@ -4123,14 +4131,14 @@
             <a:br>
               <a:rPr lang="en-GB" sz="5400" b="1" dirty="0">
                 <a:solidFill>
-                  <a:srgbClr val="0070C0"/>
+                  <a:srgbClr val="100B0F"/>
                 </a:solidFill>
               </a:rPr>
             </a:br>
             <a:r>
               <a:rPr lang="en-GB" sz="5400" b="1" dirty="0" err="1">
                 <a:solidFill>
-                  <a:srgbClr val="0070C0"/>
+                  <a:srgbClr val="100B0F"/>
                 </a:solidFill>
               </a:rPr>
               <a:t>Kolokoloy</a:t>
@@ -4138,7 +4146,7 @@
             <a:r>
               <a:rPr lang="en-GB" sz="5400" b="1" dirty="0">
                 <a:solidFill>
-                  <a:srgbClr val="0070C0"/>
+                  <a:srgbClr val="100B0F"/>
                 </a:solidFill>
               </a:rPr>
               <a:t> </a:t>
@@ -4146,7 +4154,7 @@
             <a:r>
               <a:rPr lang="en-GB" sz="5400" b="1" i="1" dirty="0" err="1">
                 <a:solidFill>
-                  <a:srgbClr val="0070C0"/>
+                  <a:srgbClr val="100B0F"/>
                 </a:solidFill>
               </a:rPr>
               <a:t>i</a:t>
@@ -4154,7 +4162,7 @@
             <a:r>
               <a:rPr lang="en-GB" sz="5400" b="1" dirty="0" err="1">
                 <a:solidFill>
-                  <a:srgbClr val="0070C0"/>
+                  <a:srgbClr val="100B0F"/>
                 </a:solidFill>
               </a:rPr>
               <a:t>zahay</a:t>
@@ -4162,7 +4170,7 @@
             <a:r>
               <a:rPr lang="en-GB" sz="5400" b="1" dirty="0">
                 <a:solidFill>
-                  <a:srgbClr val="0070C0"/>
+                  <a:srgbClr val="100B0F"/>
                 </a:solidFill>
               </a:rPr>
               <a:t> </a:t>
@@ -4170,7 +4178,7 @@
             <a:r>
               <a:rPr lang="en-GB" sz="5400" b="1" dirty="0" smtClean="0">
                 <a:solidFill>
-                  <a:srgbClr val="0070C0"/>
+                  <a:srgbClr val="100B0F"/>
                 </a:solidFill>
               </a:rPr>
               <a:t/>
@@ -4178,14 +4186,14 @@
             <a:br>
               <a:rPr lang="en-GB" sz="5400" b="1" dirty="0" smtClean="0">
                 <a:solidFill>
-                  <a:srgbClr val="0070C0"/>
+                  <a:srgbClr val="100B0F"/>
                 </a:solidFill>
               </a:rPr>
             </a:br>
             <a:r>
               <a:rPr lang="en-GB" sz="5400" b="1" dirty="0" err="1" smtClean="0">
                 <a:solidFill>
-                  <a:srgbClr val="0070C0"/>
+                  <a:srgbClr val="100B0F"/>
                 </a:solidFill>
               </a:rPr>
               <a:t>Hitombo</a:t>
@@ -4193,15 +4201,15 @@
             <a:r>
               <a:rPr lang="en-GB" sz="5400" b="1" dirty="0" smtClean="0">
                 <a:solidFill>
-                  <a:srgbClr val="0070C0"/>
-                </a:solidFill>
-              </a:rPr>
-              <a:t> </a:t>
-            </a:r>
-            <a:r>
-              <a:rPr lang="en-GB" sz="5400" b="1" dirty="0" err="1">
-                <a:solidFill>
-                  <a:srgbClr val="0070C0"/>
+                  <a:srgbClr val="100B0F"/>
+                </a:solidFill>
+              </a:rPr>
+              <a:t> </a:t>
+            </a:r>
+            <a:r>
+              <a:rPr lang="en-GB" sz="5400" b="1" dirty="0" err="1">
+                <a:solidFill>
+                  <a:srgbClr val="100B0F"/>
                 </a:solidFill>
               </a:rPr>
               <a:t>fahendrena</a:t>
@@ -4209,7 +4217,7 @@
             <a:r>
               <a:rPr lang="en-GB" sz="5400" b="1" dirty="0">
                 <a:solidFill>
-                  <a:srgbClr val="0070C0"/>
+                  <a:srgbClr val="100B0F"/>
                 </a:solidFill>
               </a:rPr>
               <a:t>,</a:t>
@@ -4217,14 +4225,14 @@
             <a:br>
               <a:rPr lang="en-GB" sz="5400" b="1" dirty="0">
                 <a:solidFill>
-                  <a:srgbClr val="0070C0"/>
+                  <a:srgbClr val="100B0F"/>
                 </a:solidFill>
               </a:rPr>
             </a:br>
             <a:r>
               <a:rPr lang="en-GB" sz="5400" b="1" dirty="0" err="1">
                 <a:solidFill>
-                  <a:srgbClr val="0070C0"/>
+                  <a:srgbClr val="100B0F"/>
                 </a:solidFill>
               </a:rPr>
               <a:t>Ka</a:t>
@@ -4232,15 +4240,15 @@
             <a:r>
               <a:rPr lang="en-GB" sz="5400" b="1" dirty="0">
                 <a:solidFill>
-                  <a:srgbClr val="0070C0"/>
-                </a:solidFill>
-              </a:rPr>
-              <a:t> </a:t>
-            </a:r>
-            <a:r>
-              <a:rPr lang="en-GB" sz="5400" b="1" dirty="0" err="1">
-                <a:solidFill>
-                  <a:srgbClr val="0070C0"/>
+                  <a:srgbClr val="100B0F"/>
+                </a:solidFill>
+              </a:rPr>
+              <a:t> </a:t>
+            </a:r>
+            <a:r>
+              <a:rPr lang="en-GB" sz="5400" b="1" dirty="0" err="1">
+                <a:solidFill>
+                  <a:srgbClr val="100B0F"/>
                 </a:solidFill>
               </a:rPr>
               <a:t>tsy</a:t>
@@ -4248,15 +4256,15 @@
             <a:r>
               <a:rPr lang="en-GB" sz="5400" b="1" dirty="0">
                 <a:solidFill>
-                  <a:srgbClr val="0070C0"/>
-                </a:solidFill>
-              </a:rPr>
-              <a:t> </a:t>
-            </a:r>
-            <a:r>
-              <a:rPr lang="en-GB" sz="5400" b="1" dirty="0" err="1">
-                <a:solidFill>
-                  <a:srgbClr val="0070C0"/>
+                  <a:srgbClr val="100B0F"/>
+                </a:solidFill>
+              </a:rPr>
+              <a:t> </a:t>
+            </a:r>
+            <a:r>
+              <a:rPr lang="en-GB" sz="5400" b="1" dirty="0" err="1">
+                <a:solidFill>
+                  <a:srgbClr val="100B0F"/>
                 </a:solidFill>
               </a:rPr>
               <a:t>hahafoy</a:t>
@@ -4264,7 +4272,7 @@
             <a:r>
               <a:rPr lang="en-GB" sz="5400" b="1" dirty="0">
                 <a:solidFill>
-                  <a:srgbClr val="0070C0"/>
+                  <a:srgbClr val="100B0F"/>
                 </a:solidFill>
               </a:rPr>
               <a:t> </a:t>
@@ -4272,7 +4280,7 @@
             <a:r>
               <a:rPr lang="fr-FR" sz="5400" b="1" dirty="0" err="1">
                 <a:solidFill>
-                  <a:srgbClr val="0070C0"/>
+                  <a:srgbClr val="100B0F"/>
                 </a:solidFill>
               </a:rPr>
               <a:t>hiaraka</a:t>
@@ -4280,7 +4288,7 @@
             <a:r>
               <a:rPr lang="fr-FR" sz="5400" b="1" dirty="0">
                 <a:solidFill>
-                  <a:srgbClr val="0070C0"/>
+                  <a:srgbClr val="100B0F"/>
                 </a:solidFill>
               </a:rPr>
               <a:t> </a:t>
@@ -4288,7 +4296,7 @@
             <a:r>
               <a:rPr lang="fr-FR" sz="5400" b="1" dirty="0" err="1">
                 <a:solidFill>
-                  <a:srgbClr val="0070C0"/>
+                  <a:srgbClr val="100B0F"/>
                 </a:solidFill>
               </a:rPr>
               <a:t>aminao</a:t>
@@ -4296,7 +4304,7 @@
             <a:r>
               <a:rPr lang="fr-FR" sz="5400" b="1" dirty="0">
                 <a:solidFill>
-                  <a:srgbClr val="0070C0"/>
+                  <a:srgbClr val="100B0F"/>
                 </a:solidFill>
               </a:rPr>
               <a:t> </a:t>
@@ -4304,14 +4312,14 @@
             <a:br>
               <a:rPr lang="fr-FR" sz="5400" b="1" dirty="0">
                 <a:solidFill>
-                  <a:srgbClr val="0070C0"/>
+                  <a:srgbClr val="100B0F"/>
                 </a:solidFill>
               </a:rPr>
             </a:br>
             <a:r>
               <a:rPr lang="fr-FR" sz="5400" b="1" dirty="0">
                 <a:solidFill>
-                  <a:srgbClr val="0070C0"/>
+                  <a:srgbClr val="100B0F"/>
                 </a:solidFill>
               </a:rPr>
               <a:t/>
@@ -4319,13 +4327,13 @@
             <a:br>
               <a:rPr lang="fr-FR" sz="5400" b="1" dirty="0">
                 <a:solidFill>
-                  <a:srgbClr val="0070C0"/>
+                  <a:srgbClr val="100B0F"/>
                 </a:solidFill>
               </a:rPr>
             </a:br>
             <a:endParaRPr lang="fr-FR" sz="5400" b="1" dirty="0">
               <a:solidFill>
-                <a:srgbClr val="0070C0"/>
+                <a:srgbClr val="100B0F"/>
               </a:solidFill>
             </a:endParaRPr>
           </a:p>
@@ -4381,7 +4389,7 @@
             <a:r>
               <a:rPr lang="fr-FR" sz="800" b="1" i="1" dirty="0">
                 <a:solidFill>
-                  <a:srgbClr val="0070C0"/>
+                  <a:srgbClr val="100B0F"/>
                 </a:solidFill>
               </a:rPr>
               <a:t/>
@@ -4389,14 +4397,14 @@
             <a:br>
               <a:rPr lang="fr-FR" sz="800" b="1" i="1" dirty="0">
                 <a:solidFill>
-                  <a:srgbClr val="0070C0"/>
+                  <a:srgbClr val="100B0F"/>
                 </a:solidFill>
               </a:rPr>
             </a:br>
             <a:r>
               <a:rPr lang="fr-FR" sz="5400" b="1" dirty="0">
                 <a:solidFill>
-                  <a:srgbClr val="0070C0"/>
+                  <a:srgbClr val="100B0F"/>
                 </a:solidFill>
               </a:rPr>
               <a:t>Ota </a:t>
@@ -4404,7 +4412,7 @@
             <a:r>
               <a:rPr lang="fr-FR" sz="5400" b="1" dirty="0" err="1">
                 <a:solidFill>
-                  <a:srgbClr val="0070C0"/>
+                  <a:srgbClr val="100B0F"/>
                 </a:solidFill>
               </a:rPr>
               <a:t>sy</a:t>
@@ -4412,7 +4420,7 @@
             <a:r>
               <a:rPr lang="fr-FR" sz="5400" b="1" dirty="0">
                 <a:solidFill>
-                  <a:srgbClr val="0070C0"/>
+                  <a:srgbClr val="100B0F"/>
                 </a:solidFill>
               </a:rPr>
               <a:t> </a:t>
@@ -4420,7 +4428,7 @@
             <a:r>
               <a:rPr lang="fr-FR" sz="5400" b="1" dirty="0" err="1">
                 <a:solidFill>
-                  <a:srgbClr val="0070C0"/>
+                  <a:srgbClr val="100B0F"/>
                 </a:solidFill>
               </a:rPr>
               <a:t>rendrarendra</a:t>
@@ -4428,7 +4436,7 @@
             <a:r>
               <a:rPr lang="fr-FR" sz="5400" b="1" dirty="0">
                 <a:solidFill>
-                  <a:srgbClr val="0070C0"/>
+                  <a:srgbClr val="100B0F"/>
                 </a:solidFill>
               </a:rPr>
               <a:t/>
@@ -4436,14 +4444,14 @@
             <a:br>
               <a:rPr lang="fr-FR" sz="5400" b="1" dirty="0">
                 <a:solidFill>
-                  <a:srgbClr val="0070C0"/>
+                  <a:srgbClr val="100B0F"/>
                 </a:solidFill>
               </a:rPr>
             </a:br>
             <a:r>
               <a:rPr lang="fr-FR" sz="5400" b="1" dirty="0" smtClean="0">
                 <a:solidFill>
-                  <a:srgbClr val="0070C0"/>
+                  <a:srgbClr val="100B0F"/>
                 </a:solidFill>
               </a:rPr>
               <a:t>Samy </a:t>
@@ -4451,7 +4459,7 @@
             <a:r>
               <a:rPr lang="fr-FR" sz="5400" b="1" dirty="0">
                 <a:solidFill>
-                  <a:srgbClr val="0070C0"/>
+                  <a:srgbClr val="100B0F"/>
                 </a:solidFill>
               </a:rPr>
               <a:t>te </a:t>
@@ -4459,7 +4467,7 @@
             <a:r>
               <a:rPr lang="fr-FR" sz="5400" b="1" dirty="0" err="1">
                 <a:solidFill>
-                  <a:srgbClr val="0070C0"/>
+                  <a:srgbClr val="100B0F"/>
                 </a:solidFill>
               </a:rPr>
               <a:t>handavo</a:t>
@@ -4467,7 +4475,7 @@
             <a:r>
               <a:rPr lang="fr-FR" sz="5400" b="1" dirty="0">
                 <a:solidFill>
-                  <a:srgbClr val="0070C0"/>
+                  <a:srgbClr val="100B0F"/>
                 </a:solidFill>
               </a:rPr>
               <a:t> </a:t>
@@ -4475,7 +4483,7 @@
             <a:r>
               <a:rPr lang="fr-FR" sz="5400" b="1" dirty="0" err="1">
                 <a:solidFill>
-                  <a:srgbClr val="0070C0"/>
+                  <a:srgbClr val="100B0F"/>
                 </a:solidFill>
               </a:rPr>
               <a:t>anay</a:t>
@@ -4483,7 +4491,7 @@
             <a:r>
               <a:rPr lang="fr-FR" sz="5400" b="1" dirty="0">
                 <a:solidFill>
-                  <a:srgbClr val="0070C0"/>
+                  <a:srgbClr val="100B0F"/>
                 </a:solidFill>
               </a:rPr>
               <a:t/>
@@ -4491,14 +4499,14 @@
             <a:br>
               <a:rPr lang="fr-FR" sz="5400" b="1" dirty="0">
                 <a:solidFill>
-                  <a:srgbClr val="0070C0"/>
+                  <a:srgbClr val="100B0F"/>
                 </a:solidFill>
               </a:rPr>
             </a:br>
             <a:r>
               <a:rPr lang="en-GB" sz="5400" b="1" dirty="0" err="1" smtClean="0">
                 <a:solidFill>
-                  <a:srgbClr val="0070C0"/>
+                  <a:srgbClr val="100B0F"/>
                 </a:solidFill>
               </a:rPr>
               <a:t>Soa</a:t>
@@ -4506,15 +4514,15 @@
             <a:r>
               <a:rPr lang="en-GB" sz="5400" b="1" dirty="0" smtClean="0">
                 <a:solidFill>
-                  <a:srgbClr val="0070C0"/>
-                </a:solidFill>
-              </a:rPr>
-              <a:t> </a:t>
-            </a:r>
-            <a:r>
-              <a:rPr lang="en-GB" sz="5400" b="1" dirty="0" err="1">
-                <a:solidFill>
-                  <a:srgbClr val="0070C0"/>
+                  <a:srgbClr val="100B0F"/>
+                </a:solidFill>
+              </a:rPr>
+              <a:t> </a:t>
+            </a:r>
+            <a:r>
+              <a:rPr lang="en-GB" sz="5400" b="1" dirty="0" err="1">
+                <a:solidFill>
+                  <a:srgbClr val="100B0F"/>
                 </a:solidFill>
               </a:rPr>
               <a:t>ihany</a:t>
@@ -4522,7 +4530,7 @@
             <a:r>
               <a:rPr lang="en-GB" sz="5400" b="1" dirty="0">
                 <a:solidFill>
-                  <a:srgbClr val="0070C0"/>
+                  <a:srgbClr val="100B0F"/>
                 </a:solidFill>
               </a:rPr>
               <a:t>, </a:t>
@@ -4530,7 +4538,7 @@
             <a:r>
               <a:rPr lang="en-GB" sz="5400" b="1" dirty="0" err="1">
                 <a:solidFill>
-                  <a:srgbClr val="0070C0"/>
+                  <a:srgbClr val="100B0F"/>
                 </a:solidFill>
               </a:rPr>
               <a:t>soa</a:t>
@@ -4538,15 +4546,15 @@
             <a:r>
               <a:rPr lang="en-GB" sz="5400" b="1" dirty="0">
                 <a:solidFill>
-                  <a:srgbClr val="0070C0"/>
-                </a:solidFill>
-              </a:rPr>
-              <a:t> </a:t>
-            </a:r>
-            <a:r>
-              <a:rPr lang="en-GB" sz="5400" b="1" dirty="0" err="1">
-                <a:solidFill>
-                  <a:srgbClr val="0070C0"/>
+                  <a:srgbClr val="100B0F"/>
+                </a:solidFill>
+              </a:rPr>
+              <a:t> </a:t>
+            </a:r>
+            <a:r>
+              <a:rPr lang="en-GB" sz="5400" b="1" dirty="0" err="1">
+                <a:solidFill>
+                  <a:srgbClr val="100B0F"/>
                 </a:solidFill>
               </a:rPr>
               <a:t>fa</a:t>
@@ -4554,15 +4562,15 @@
             <a:r>
               <a:rPr lang="en-GB" sz="5400" b="1" dirty="0">
                 <a:solidFill>
-                  <a:srgbClr val="0070C0"/>
-                </a:solidFill>
-              </a:rPr>
-              <a:t> </a:t>
-            </a:r>
-            <a:r>
-              <a:rPr lang="en-GB" sz="5400" b="1" dirty="0" err="1">
-                <a:solidFill>
-                  <a:srgbClr val="0070C0"/>
+                  <a:srgbClr val="100B0F"/>
+                </a:solidFill>
+              </a:rPr>
+              <a:t> </a:t>
+            </a:r>
+            <a:r>
+              <a:rPr lang="en-GB" sz="5400" b="1" dirty="0" err="1">
+                <a:solidFill>
+                  <a:srgbClr val="100B0F"/>
                 </a:solidFill>
               </a:rPr>
               <a:t>eo</a:t>
@@ -4570,15 +4578,15 @@
             <a:r>
               <a:rPr lang="en-GB" sz="5400" b="1" dirty="0">
                 <a:solidFill>
-                  <a:srgbClr val="0070C0"/>
-                </a:solidFill>
-              </a:rPr>
-              <a:t> </a:t>
-            </a:r>
-            <a:r>
-              <a:rPr lang="en-GB" sz="5400" b="1" dirty="0" err="1">
-                <a:solidFill>
-                  <a:srgbClr val="0070C0"/>
+                  <a:srgbClr val="100B0F"/>
+                </a:solidFill>
+              </a:rPr>
+              <a:t> </a:t>
+            </a:r>
+            <a:r>
+              <a:rPr lang="en-GB" sz="5400" b="1" dirty="0" err="1">
+                <a:solidFill>
+                  <a:srgbClr val="100B0F"/>
                 </a:solidFill>
               </a:rPr>
               <a:t>Ianao</a:t>
@@ -4586,15 +4594,15 @@
             <a:r>
               <a:rPr lang="en-GB" sz="5400" b="1" dirty="0">
                 <a:solidFill>
-                  <a:srgbClr val="0070C0"/>
-                </a:solidFill>
-              </a:rPr>
-              <a:t> </a:t>
-            </a:r>
-            <a:r>
-              <a:rPr lang="en-GB" sz="5400" b="1" dirty="0" err="1">
-                <a:solidFill>
-                  <a:srgbClr val="0070C0"/>
+                  <a:srgbClr val="100B0F"/>
+                </a:solidFill>
+              </a:rPr>
+              <a:t> </a:t>
+            </a:r>
+            <a:r>
+              <a:rPr lang="en-GB" sz="5400" b="1" dirty="0" err="1">
+                <a:solidFill>
+                  <a:srgbClr val="100B0F"/>
                 </a:solidFill>
               </a:rPr>
               <a:t>Fanahy</a:t>
@@ -4602,7 +4610,7 @@
             <a:r>
               <a:rPr lang="en-GB" sz="5400" b="1" dirty="0">
                 <a:solidFill>
-                  <a:srgbClr val="0070C0"/>
+                  <a:srgbClr val="100B0F"/>
                 </a:solidFill>
               </a:rPr>
               <a:t>,</a:t>
@@ -4610,22 +4618,22 @@
             <a:br>
               <a:rPr lang="en-GB" sz="5400" b="1" dirty="0">
                 <a:solidFill>
-                  <a:srgbClr val="0070C0"/>
+                  <a:srgbClr val="100B0F"/>
                 </a:solidFill>
               </a:rPr>
             </a:br>
             <a:r>
               <a:rPr lang="en-GB" sz="5400" b="1" dirty="0" smtClean="0">
                 <a:solidFill>
-                  <a:srgbClr val="0070C0"/>
-                </a:solidFill>
-              </a:rPr>
-              <a:t> </a:t>
-            </a:r>
-            <a:r>
-              <a:rPr lang="en-GB" sz="5400" b="1" dirty="0" err="1">
-                <a:solidFill>
-                  <a:srgbClr val="0070C0"/>
+                  <a:srgbClr val="100B0F"/>
+                </a:solidFill>
+              </a:rPr>
+              <a:t> </a:t>
+            </a:r>
+            <a:r>
+              <a:rPr lang="en-GB" sz="5400" b="1" dirty="0" err="1">
+                <a:solidFill>
+                  <a:srgbClr val="100B0F"/>
                 </a:solidFill>
               </a:rPr>
               <a:t>Vonona</a:t>
@@ -4633,15 +4641,15 @@
             <a:r>
               <a:rPr lang="en-GB" sz="5400" b="1" dirty="0">
                 <a:solidFill>
-                  <a:srgbClr val="0070C0"/>
-                </a:solidFill>
-              </a:rPr>
-              <a:t> </a:t>
-            </a:r>
-            <a:r>
-              <a:rPr lang="en-GB" sz="5400" b="1" dirty="0" err="1">
-                <a:solidFill>
-                  <a:srgbClr val="0070C0"/>
+                  <a:srgbClr val="100B0F"/>
+                </a:solidFill>
+              </a:rPr>
+              <a:t> </a:t>
+            </a:r>
+            <a:r>
+              <a:rPr lang="en-GB" sz="5400" b="1" dirty="0" err="1">
+                <a:solidFill>
+                  <a:srgbClr val="100B0F"/>
                 </a:solidFill>
               </a:rPr>
               <a:t>hitahy</a:t>
@@ -4649,15 +4657,15 @@
             <a:r>
               <a:rPr lang="en-GB" sz="5400" b="1" dirty="0">
                 <a:solidFill>
-                  <a:srgbClr val="0070C0"/>
-                </a:solidFill>
-              </a:rPr>
-              <a:t> </a:t>
-            </a:r>
-            <a:r>
-              <a:rPr lang="en-GB" sz="5400" b="1" dirty="0" err="1">
-                <a:solidFill>
-                  <a:srgbClr val="0070C0"/>
+                  <a:srgbClr val="100B0F"/>
+                </a:solidFill>
+              </a:rPr>
+              <a:t> </a:t>
+            </a:r>
+            <a:r>
+              <a:rPr lang="en-GB" sz="5400" b="1" dirty="0" err="1">
+                <a:solidFill>
+                  <a:srgbClr val="100B0F"/>
                 </a:solidFill>
               </a:rPr>
               <a:t>ny</a:t>
@@ -4665,15 +4673,15 @@
             <a:r>
               <a:rPr lang="en-GB" sz="5400" b="1" dirty="0">
                 <a:solidFill>
-                  <a:srgbClr val="0070C0"/>
-                </a:solidFill>
-              </a:rPr>
-              <a:t> </a:t>
-            </a:r>
-            <a:r>
-              <a:rPr lang="en-GB" sz="5400" b="1" dirty="0" err="1">
-                <a:solidFill>
-                  <a:srgbClr val="0070C0"/>
+                  <a:srgbClr val="100B0F"/>
+                </a:solidFill>
+              </a:rPr>
+              <a:t> </a:t>
+            </a:r>
+            <a:r>
+              <a:rPr lang="en-GB" sz="5400" b="1" dirty="0" err="1">
+                <a:solidFill>
+                  <a:srgbClr val="100B0F"/>
                 </a:solidFill>
               </a:rPr>
               <a:t>fiainanay</a:t>
@@ -4681,14 +4689,14 @@
             <a:r>
               <a:rPr lang="en-GB" sz="5400" b="1" dirty="0">
                 <a:solidFill>
-                  <a:srgbClr val="0070C0"/>
+                  <a:srgbClr val="100B0F"/>
                 </a:solidFill>
               </a:rPr>
               <a:t>.</a:t>
             </a:r>
             <a:endParaRPr lang="fr-FR" sz="5400" b="1" dirty="0">
               <a:solidFill>
-                <a:srgbClr val="0070C0"/>
+                <a:srgbClr val="100B0F"/>
               </a:solidFill>
             </a:endParaRPr>
           </a:p>
@@ -4747,9 +4755,151 @@
           <a:lstStyle/>
           <a:p>
             <a:r>
+              <a:rPr lang="en-GB" sz="5400" b="1" dirty="0">
+                <a:solidFill>
+                  <a:srgbClr val="100B0F"/>
+                </a:solidFill>
+              </a:rPr>
+              <a:t/>
+            </a:r>
+            <a:br>
+              <a:rPr lang="en-GB" sz="5400" b="1" dirty="0">
+                <a:solidFill>
+                  <a:srgbClr val="100B0F"/>
+                </a:solidFill>
+              </a:rPr>
+            </a:br>
+            <a:r>
               <a:rPr lang="en-GB" sz="5400" b="1" dirty="0" smtClean="0">
                 <a:solidFill>
-                  <a:srgbClr val="0070C0"/>
+                  <a:srgbClr val="100B0F"/>
+                </a:solidFill>
+              </a:rPr>
+              <a:t>3</a:t>
+            </a:r>
+            <a:r>
+              <a:rPr lang="en-GB" sz="5400" b="1" dirty="0">
+                <a:solidFill>
+                  <a:srgbClr val="100B0F"/>
+                </a:solidFill>
+              </a:rPr>
+              <a:t>) </a:t>
+            </a:r>
+            <a:r>
+              <a:rPr lang="en-GB" sz="5400" b="1" dirty="0" err="1">
+                <a:solidFill>
+                  <a:srgbClr val="100B0F"/>
+                </a:solidFill>
+              </a:rPr>
+              <a:t>Ry</a:t>
+            </a:r>
+            <a:r>
+              <a:rPr lang="en-GB" sz="5400" b="1" dirty="0">
+                <a:solidFill>
+                  <a:srgbClr val="100B0F"/>
+                </a:solidFill>
+              </a:rPr>
+              <a:t> </a:t>
+            </a:r>
+            <a:r>
+              <a:rPr lang="en-GB" sz="5400" b="1" dirty="0" err="1">
+                <a:solidFill>
+                  <a:srgbClr val="100B0F"/>
+                </a:solidFill>
+              </a:rPr>
+              <a:t>Fanahy</a:t>
+            </a:r>
+            <a:r>
+              <a:rPr lang="en-GB" sz="5400" b="1" dirty="0">
+                <a:solidFill>
+                  <a:srgbClr val="100B0F"/>
+                </a:solidFill>
+              </a:rPr>
+              <a:t> ô ! </a:t>
+            </a:r>
+            <a:r>
+              <a:rPr lang="en-GB" sz="5400" b="1" dirty="0" err="1" smtClean="0">
+                <a:solidFill>
+                  <a:srgbClr val="100B0F"/>
+                </a:solidFill>
+              </a:rPr>
+              <a:t>Meteza</a:t>
+            </a:r>
+            <a:r>
+              <a:rPr lang="fr-FR" sz="5400" b="1" dirty="0">
+                <a:solidFill>
+                  <a:srgbClr val="100B0F"/>
+                </a:solidFill>
+              </a:rPr>
+              <a:t/>
+            </a:r>
+            <a:br>
+              <a:rPr lang="fr-FR" sz="5400" b="1" dirty="0">
+                <a:solidFill>
+                  <a:srgbClr val="100B0F"/>
+                </a:solidFill>
+              </a:rPr>
+            </a:br>
+            <a:r>
+              <a:rPr lang="en-GB" sz="5400" b="1" dirty="0" err="1" smtClean="0">
+                <a:solidFill>
+                  <a:srgbClr val="100B0F"/>
+                </a:solidFill>
+              </a:rPr>
+              <a:t>Mba</a:t>
+            </a:r>
+            <a:r>
+              <a:rPr lang="en-GB" sz="5400" b="1" dirty="0" smtClean="0">
+                <a:solidFill>
+                  <a:srgbClr val="100B0F"/>
+                </a:solidFill>
+              </a:rPr>
+              <a:t> </a:t>
+            </a:r>
+            <a:r>
+              <a:rPr lang="en-GB" sz="5400" b="1" dirty="0" err="1">
+                <a:solidFill>
+                  <a:srgbClr val="100B0F"/>
+                </a:solidFill>
+              </a:rPr>
+              <a:t>handray</a:t>
+            </a:r>
+            <a:r>
+              <a:rPr lang="en-GB" sz="5400" b="1" dirty="0">
+                <a:solidFill>
+                  <a:srgbClr val="100B0F"/>
+                </a:solidFill>
+              </a:rPr>
+              <a:t> </a:t>
+            </a:r>
+            <a:r>
+              <a:rPr lang="en-GB" sz="5400" b="1" dirty="0" err="1">
+                <a:solidFill>
+                  <a:srgbClr val="100B0F"/>
+                </a:solidFill>
+              </a:rPr>
+              <a:t>anay</a:t>
+            </a:r>
+            <a:r>
+              <a:rPr lang="en-GB" sz="5400" b="1" dirty="0">
+                <a:solidFill>
+                  <a:srgbClr val="100B0F"/>
+                </a:solidFill>
+              </a:rPr>
+              <a:t> </a:t>
+            </a:r>
+            <a:r>
+              <a:rPr lang="en-GB" sz="5400" b="1" dirty="0" err="1" smtClean="0">
+                <a:solidFill>
+                  <a:srgbClr val="100B0F"/>
+                </a:solidFill>
+              </a:rPr>
+              <a:t>ho</a:t>
+            </a:r>
+            <a:r>
+              <a:rPr lang="en-GB" sz="5400" b="1" dirty="0" smtClean="0">
+                <a:solidFill>
+                  <a:srgbClr val="100B0F"/>
                 </a:solidFill>
               </a:rPr>
               <a:t/>
@@ -4757,85 +4907,38 @@
             <a:br>
               <a:rPr lang="en-GB" sz="5400" b="1" dirty="0" smtClean="0">
                 <a:solidFill>
-                  <a:srgbClr val="0070C0"/>
+                  <a:srgbClr val="100B0F"/>
                 </a:solidFill>
               </a:rPr>
             </a:br>
             <a:r>
-              <a:rPr lang="en-GB" sz="5400" b="1" dirty="0">
-                <a:solidFill>
-                  <a:srgbClr val="0070C0"/>
-                </a:solidFill>
-              </a:rPr>
-              <a:t/>
-            </a:r>
-            <a:br>
-              <a:rPr lang="en-GB" sz="5400" b="1" dirty="0">
-                <a:solidFill>
-                  <a:srgbClr val="0070C0"/>
-                </a:solidFill>
-              </a:rPr>
-            </a:br>
+              <a:rPr lang="en-GB" sz="5400" b="1" dirty="0" err="1" smtClean="0">
+                <a:solidFill>
+                  <a:srgbClr val="100B0F"/>
+                </a:solidFill>
+              </a:rPr>
+              <a:t>mpianatrao</a:t>
+            </a:r>
             <a:r>
               <a:rPr lang="en-GB" sz="5400" b="1" dirty="0" smtClean="0">
                 <a:solidFill>
-                  <a:srgbClr val="0070C0"/>
-                </a:solidFill>
-              </a:rPr>
-              <a:t>3</a:t>
-            </a:r>
-            <a:r>
-              <a:rPr lang="en-GB" sz="5400" b="1" dirty="0">
-                <a:solidFill>
-                  <a:srgbClr val="0070C0"/>
-                </a:solidFill>
-              </a:rPr>
-              <a:t>) </a:t>
-            </a:r>
-            <a:r>
-              <a:rPr lang="en-GB" sz="5400" b="1" dirty="0" err="1">
-                <a:solidFill>
-                  <a:srgbClr val="0070C0"/>
-                </a:solidFill>
-              </a:rPr>
-              <a:t>Ry</a:t>
-            </a:r>
-            <a:r>
-              <a:rPr lang="en-GB" sz="5400" b="1" dirty="0">
-                <a:solidFill>
-                  <a:srgbClr val="0070C0"/>
-                </a:solidFill>
-              </a:rPr>
-              <a:t> </a:t>
-            </a:r>
-            <a:r>
-              <a:rPr lang="en-GB" sz="5400" b="1" dirty="0" err="1">
-                <a:solidFill>
-                  <a:srgbClr val="0070C0"/>
-                </a:solidFill>
-              </a:rPr>
-              <a:t>Fanahy</a:t>
-            </a:r>
-            <a:r>
-              <a:rPr lang="en-GB" sz="5400" b="1" dirty="0">
-                <a:solidFill>
-                  <a:srgbClr val="0070C0"/>
-                </a:solidFill>
-              </a:rPr>
-              <a:t> ô ! </a:t>
-            </a:r>
-            <a:r>
-              <a:rPr lang="en-GB" sz="5400" b="1" dirty="0" err="1" smtClean="0">
-                <a:solidFill>
-                  <a:srgbClr val="0070C0"/>
-                </a:solidFill>
-              </a:rPr>
-              <a:t>Meteza</a:t>
+                  <a:srgbClr val="100B0F"/>
+                </a:solidFill>
+              </a:rPr>
+              <a:t> </a:t>
+            </a:r>
+            <a:r>
+              <a:rPr lang="en-GB" sz="5400" b="1" dirty="0">
+                <a:solidFill>
+                  <a:srgbClr val="100B0F"/>
+                </a:solidFill>
+              </a:rPr>
+              <a:t>;</a:t>
             </a:r>
             <a:r>
               <a:rPr lang="fr-FR" sz="5400" b="1" dirty="0">
                 <a:solidFill>
-                  <a:srgbClr val="0070C0"/>
+                  <a:srgbClr val="100B0F"/>
                 </a:solidFill>
               </a:rPr>
               <a:t/>
@@ -4843,109 +4946,78 @@
             <a:br>
               <a:rPr lang="fr-FR" sz="5400" b="1" dirty="0">
                 <a:solidFill>
-                  <a:srgbClr val="0070C0"/>
+                  <a:srgbClr val="100B0F"/>
                 </a:solidFill>
               </a:rPr>
             </a:br>
             <a:r>
-              <a:rPr lang="en-GB" sz="5400" b="1" dirty="0" err="1" smtClean="0">
-                <a:solidFill>
-                  <a:srgbClr val="0070C0"/>
-                </a:solidFill>
-              </a:rPr>
-              <a:t>Mba</a:t>
-            </a:r>
-            <a:r>
-              <a:rPr lang="en-GB" sz="5400" b="1" dirty="0" smtClean="0">
-                <a:solidFill>
-                  <a:srgbClr val="0070C0"/>
-                </a:solidFill>
-              </a:rPr>
-              <a:t> </a:t>
-            </a:r>
-            <a:r>
-              <a:rPr lang="en-GB" sz="5400" b="1" dirty="0" err="1">
-                <a:solidFill>
-                  <a:srgbClr val="0070C0"/>
-                </a:solidFill>
-              </a:rPr>
-              <a:t>handray</a:t>
-            </a:r>
-            <a:r>
-              <a:rPr lang="en-GB" sz="5400" b="1" dirty="0">
-                <a:solidFill>
-                  <a:srgbClr val="0070C0"/>
-                </a:solidFill>
-              </a:rPr>
-              <a:t> </a:t>
-            </a:r>
-            <a:r>
-              <a:rPr lang="en-GB" sz="5400" b="1" dirty="0" err="1">
-                <a:solidFill>
-                  <a:srgbClr val="0070C0"/>
-                </a:solidFill>
-              </a:rPr>
-              <a:t>anay</a:t>
-            </a:r>
-            <a:r>
-              <a:rPr lang="en-GB" sz="5400" b="1" dirty="0">
-                <a:solidFill>
-                  <a:srgbClr val="0070C0"/>
-                </a:solidFill>
-              </a:rPr>
-              <a:t> </a:t>
-            </a:r>
-            <a:r>
-              <a:rPr lang="en-GB" sz="5400" b="1" dirty="0" err="1" smtClean="0">
-                <a:solidFill>
-                  <a:srgbClr val="0070C0"/>
-                </a:solidFill>
-              </a:rPr>
-              <a:t>ho</a:t>
-            </a:r>
-            <a:r>
-              <a:rPr lang="en-GB" sz="5400" b="1" dirty="0" smtClean="0">
-                <a:solidFill>
-                  <a:srgbClr val="0070C0"/>
-                </a:solidFill>
-              </a:rPr>
-              <a:t/>
-            </a:r>
-            <a:br>
-              <a:rPr lang="en-GB" sz="5400" b="1" dirty="0" smtClean="0">
-                <a:solidFill>
-                  <a:srgbClr val="0070C0"/>
-                </a:solidFill>
-              </a:rPr>
-            </a:br>
-            <a:r>
-              <a:rPr lang="en-GB" sz="5400" b="1" dirty="0" err="1" smtClean="0">
-                <a:solidFill>
-                  <a:srgbClr val="0070C0"/>
-                </a:solidFill>
-              </a:rPr>
-              <a:t>mpianatrao</a:t>
-            </a:r>
-            <a:r>
-              <a:rPr lang="en-GB" sz="5400" b="1" dirty="0" smtClean="0">
-                <a:solidFill>
-                  <a:srgbClr val="0070C0"/>
-                </a:solidFill>
-              </a:rPr>
-              <a:t> </a:t>
-            </a:r>
-            <a:r>
-              <a:rPr lang="en-GB" sz="5400" b="1" dirty="0">
-                <a:solidFill>
-                  <a:srgbClr val="0070C0"/>
-                </a:solidFill>
-              </a:rPr>
-              <a:t>;</a:t>
+              <a:rPr lang="en-GB" sz="5400" b="1" dirty="0" err="1">
+                <a:solidFill>
+                  <a:srgbClr val="100B0F"/>
+                </a:solidFill>
+              </a:rPr>
+              <a:t>Avia</a:t>
+            </a:r>
+            <a:r>
+              <a:rPr lang="en-GB" sz="5400" b="1" dirty="0">
+                <a:solidFill>
+                  <a:srgbClr val="100B0F"/>
+                </a:solidFill>
+              </a:rPr>
+              <a:t> </a:t>
+            </a:r>
+            <a:r>
+              <a:rPr lang="en-GB" sz="5400" b="1" dirty="0" err="1">
+                <a:solidFill>
+                  <a:srgbClr val="100B0F"/>
+                </a:solidFill>
+              </a:rPr>
+              <a:t>Ianao</a:t>
+            </a:r>
+            <a:r>
+              <a:rPr lang="en-GB" sz="5400" b="1" dirty="0">
+                <a:solidFill>
+                  <a:srgbClr val="100B0F"/>
+                </a:solidFill>
+              </a:rPr>
+              <a:t>, </a:t>
+            </a:r>
+            <a:r>
+              <a:rPr lang="en-GB" sz="5400" b="1" dirty="0" err="1">
+                <a:solidFill>
+                  <a:srgbClr val="100B0F"/>
+                </a:solidFill>
+              </a:rPr>
+              <a:t>avia</a:t>
+            </a:r>
+            <a:r>
+              <a:rPr lang="en-GB" sz="5400" b="1" dirty="0">
+                <a:solidFill>
+                  <a:srgbClr val="100B0F"/>
+                </a:solidFill>
+              </a:rPr>
+              <a:t> </a:t>
+            </a:r>
+            <a:r>
+              <a:rPr lang="en-GB" sz="5400" b="1" dirty="0" err="1">
+                <a:solidFill>
+                  <a:srgbClr val="100B0F"/>
+                </a:solidFill>
+              </a:rPr>
+              <a:t>mampahereza</a:t>
+            </a:r>
+            <a:r>
+              <a:rPr lang="en-GB" sz="5400" b="1" dirty="0">
+                <a:solidFill>
+                  <a:srgbClr val="100B0F"/>
+                </a:solidFill>
+              </a:rPr>
+              <a:t>,</a:t>
             </a:r>
             <a:r>
               <a:rPr lang="fr-FR" sz="5400" b="1" dirty="0">
                 <a:solidFill>
-                  <a:srgbClr val="0070C0"/>
+                  <a:srgbClr val="100B0F"/>
                 </a:solidFill>
               </a:rPr>
               <a:t/>
@@ -4953,78 +5025,78 @@
             <a:br>
               <a:rPr lang="fr-FR" sz="5400" b="1" dirty="0">
                 <a:solidFill>
-                  <a:srgbClr val="0070C0"/>
+                  <a:srgbClr val="100B0F"/>
                 </a:solidFill>
               </a:rPr>
             </a:br>
             <a:r>
               <a:rPr lang="en-GB" sz="5400" b="1" dirty="0" err="1">
                 <a:solidFill>
-                  <a:srgbClr val="0070C0"/>
-                </a:solidFill>
-              </a:rPr>
-              <a:t>Avia</a:t>
-            </a:r>
-            <a:r>
-              <a:rPr lang="en-GB" sz="5400" b="1" dirty="0">
-                <a:solidFill>
-                  <a:srgbClr val="0070C0"/>
-                </a:solidFill>
-              </a:rPr>
-              <a:t> </a:t>
-            </a:r>
-            <a:r>
-              <a:rPr lang="en-GB" sz="5400" b="1" dirty="0" err="1">
-                <a:solidFill>
-                  <a:srgbClr val="0070C0"/>
-                </a:solidFill>
-              </a:rPr>
-              <a:t>Ianao</a:t>
-            </a:r>
-            <a:r>
-              <a:rPr lang="en-GB" sz="5400" b="1" dirty="0">
-                <a:solidFill>
-                  <a:srgbClr val="0070C0"/>
-                </a:solidFill>
-              </a:rPr>
-              <a:t>, </a:t>
-            </a:r>
-            <a:r>
-              <a:rPr lang="en-GB" sz="5400" b="1" dirty="0" err="1">
-                <a:solidFill>
-                  <a:srgbClr val="0070C0"/>
-                </a:solidFill>
-              </a:rPr>
-              <a:t>avia</a:t>
-            </a:r>
-            <a:r>
-              <a:rPr lang="en-GB" sz="5400" b="1" dirty="0">
-                <a:solidFill>
-                  <a:srgbClr val="0070C0"/>
-                </a:solidFill>
-              </a:rPr>
-              <a:t> </a:t>
-            </a:r>
-            <a:r>
-              <a:rPr lang="en-GB" sz="5400" b="1" dirty="0" err="1">
-                <a:solidFill>
-                  <a:srgbClr val="0070C0"/>
-                </a:solidFill>
-              </a:rPr>
-              <a:t>mampahereza</a:t>
-            </a:r>
-            <a:r>
-              <a:rPr lang="en-GB" sz="5400" b="1" dirty="0">
-                <a:solidFill>
-                  <a:srgbClr val="0070C0"/>
-                </a:solidFill>
-              </a:rPr>
-              <a:t>,</a:t>
+                  <a:srgbClr val="100B0F"/>
+                </a:solidFill>
+              </a:rPr>
+              <a:t>Hahatonga</a:t>
+            </a:r>
+            <a:r>
+              <a:rPr lang="en-GB" sz="5400" b="1" dirty="0">
+                <a:solidFill>
+                  <a:srgbClr val="100B0F"/>
+                </a:solidFill>
+              </a:rPr>
+              <a:t> </a:t>
+            </a:r>
+            <a:r>
+              <a:rPr lang="en-GB" sz="5400" b="1" dirty="0" err="1">
+                <a:solidFill>
+                  <a:srgbClr val="100B0F"/>
+                </a:solidFill>
+              </a:rPr>
+              <a:t>anay</a:t>
+            </a:r>
+            <a:r>
+              <a:rPr lang="en-GB" sz="5400" b="1" dirty="0">
+                <a:solidFill>
+                  <a:srgbClr val="100B0F"/>
+                </a:solidFill>
+              </a:rPr>
+              <a:t> </a:t>
+            </a:r>
+            <a:r>
+              <a:rPr lang="en-GB" sz="5400" b="1" dirty="0" err="1">
+                <a:solidFill>
+                  <a:srgbClr val="100B0F"/>
+                </a:solidFill>
+              </a:rPr>
+              <a:t>mba</a:t>
+            </a:r>
+            <a:r>
+              <a:rPr lang="en-GB" sz="5400" b="1" dirty="0">
+                <a:solidFill>
+                  <a:srgbClr val="100B0F"/>
+                </a:solidFill>
+              </a:rPr>
+              <a:t> ho </a:t>
+            </a:r>
+            <a:r>
+              <a:rPr lang="en-GB" sz="5400" b="1" dirty="0" err="1">
+                <a:solidFill>
+                  <a:srgbClr val="100B0F"/>
+                </a:solidFill>
+              </a:rPr>
+              <a:t>irakao</a:t>
+            </a:r>
+            <a:r>
+              <a:rPr lang="en-GB" sz="5400" b="1" dirty="0">
+                <a:solidFill>
+                  <a:srgbClr val="100B0F"/>
+                </a:solidFill>
+              </a:rPr>
+              <a:t> </a:t>
             </a:r>
             <a:r>
               <a:rPr lang="fr-FR" sz="5400" b="1" dirty="0">
                 <a:solidFill>
-                  <a:srgbClr val="0070C0"/>
+                  <a:srgbClr val="100B0F"/>
                 </a:solidFill>
               </a:rPr>
               <a:t/>
@@ -5032,92 +5104,13 @@
             <a:br>
               <a:rPr lang="fr-FR" sz="5400" b="1" dirty="0">
                 <a:solidFill>
-                  <a:srgbClr val="0070C0"/>
-                </a:solidFill>
-              </a:rPr>
-            </a:br>
-            <a:r>
-              <a:rPr lang="en-GB" sz="5400" b="1" dirty="0" err="1">
-                <a:solidFill>
-                  <a:srgbClr val="0070C0"/>
-                </a:solidFill>
-              </a:rPr>
-              <a:t>Hahatonga</a:t>
-            </a:r>
-            <a:r>
-              <a:rPr lang="en-GB" sz="5400" b="1" dirty="0">
-                <a:solidFill>
-                  <a:srgbClr val="0070C0"/>
-                </a:solidFill>
-              </a:rPr>
-              <a:t> </a:t>
-            </a:r>
-            <a:r>
-              <a:rPr lang="en-GB" sz="5400" b="1" dirty="0" err="1">
-                <a:solidFill>
-                  <a:srgbClr val="0070C0"/>
-                </a:solidFill>
-              </a:rPr>
-              <a:t>anay</a:t>
-            </a:r>
-            <a:r>
-              <a:rPr lang="en-GB" sz="5400" b="1" dirty="0">
-                <a:solidFill>
-                  <a:srgbClr val="0070C0"/>
-                </a:solidFill>
-              </a:rPr>
-              <a:t> </a:t>
-            </a:r>
-            <a:r>
-              <a:rPr lang="en-GB" sz="5400" b="1" dirty="0" err="1">
-                <a:solidFill>
-                  <a:srgbClr val="0070C0"/>
-                </a:solidFill>
-              </a:rPr>
-              <a:t>mba</a:t>
-            </a:r>
-            <a:r>
-              <a:rPr lang="en-GB" sz="5400" b="1" dirty="0">
-                <a:solidFill>
-                  <a:srgbClr val="0070C0"/>
-                </a:solidFill>
-              </a:rPr>
-              <a:t> ho </a:t>
-            </a:r>
-            <a:r>
-              <a:rPr lang="en-GB" sz="5400" b="1" dirty="0" err="1">
-                <a:solidFill>
-                  <a:srgbClr val="0070C0"/>
-                </a:solidFill>
-              </a:rPr>
-              <a:t>irakao</a:t>
-            </a:r>
-            <a:r>
-              <a:rPr lang="en-GB" sz="5400" b="1" dirty="0">
-                <a:solidFill>
-                  <a:srgbClr val="0070C0"/>
-                </a:solidFill>
-              </a:rPr>
-              <a:t> </a:t>
-            </a:r>
-            <a:r>
-              <a:rPr lang="fr-FR" sz="5400" b="1" dirty="0">
-                <a:solidFill>
-                  <a:srgbClr val="0070C0"/>
-                </a:solidFill>
-              </a:rPr>
-              <a:t/>
-            </a:r>
-            <a:br>
-              <a:rPr lang="fr-FR" sz="5400" b="1" dirty="0">
-                <a:solidFill>
-                  <a:srgbClr val="0070C0"/>
+                  <a:srgbClr val="100B0F"/>
                 </a:solidFill>
               </a:rPr>
             </a:br>
             <a:endParaRPr lang="fr-FR" sz="5400" b="1" dirty="0">
               <a:solidFill>
-                <a:srgbClr val="0070C0"/>
+                <a:srgbClr val="100B0F"/>
               </a:solidFill>
             </a:endParaRPr>
           </a:p>
@@ -5173,7 +5166,7 @@
             <a:r>
               <a:rPr lang="en-GB" sz="5400" b="1" dirty="0" err="1" smtClean="0">
                 <a:solidFill>
-                  <a:srgbClr val="0070C0"/>
+                  <a:srgbClr val="100B0F"/>
                 </a:solidFill>
               </a:rPr>
               <a:t>Eso</a:t>
@@ -5181,15 +5174,15 @@
             <a:r>
               <a:rPr lang="en-GB" sz="5400" b="1" dirty="0" smtClean="0">
                 <a:solidFill>
-                  <a:srgbClr val="0070C0"/>
-                </a:solidFill>
-              </a:rPr>
-              <a:t> </a:t>
-            </a:r>
-            <a:r>
-              <a:rPr lang="en-GB" sz="5400" b="1" dirty="0" err="1">
-                <a:solidFill>
-                  <a:srgbClr val="0070C0"/>
+                  <a:srgbClr val="100B0F"/>
+                </a:solidFill>
+              </a:rPr>
+              <a:t> </a:t>
+            </a:r>
+            <a:r>
+              <a:rPr lang="en-GB" sz="5400" b="1" dirty="0" err="1">
+                <a:solidFill>
+                  <a:srgbClr val="100B0F"/>
                 </a:solidFill>
               </a:rPr>
               <a:t>sy</a:t>
@@ -5197,15 +5190,15 @@
             <a:r>
               <a:rPr lang="en-GB" sz="5400" b="1" dirty="0">
                 <a:solidFill>
-                  <a:srgbClr val="0070C0"/>
-                </a:solidFill>
-              </a:rPr>
-              <a:t> </a:t>
-            </a:r>
-            <a:r>
-              <a:rPr lang="en-GB" sz="5400" b="1" dirty="0" err="1">
-                <a:solidFill>
-                  <a:srgbClr val="0070C0"/>
+                  <a:srgbClr val="100B0F"/>
+                </a:solidFill>
+              </a:rPr>
+              <a:t> </a:t>
+            </a:r>
+            <a:r>
+              <a:rPr lang="en-GB" sz="5400" b="1" dirty="0" err="1">
+                <a:solidFill>
+                  <a:srgbClr val="100B0F"/>
                 </a:solidFill>
               </a:rPr>
               <a:t>fitsapana</a:t>
@@ -5213,7 +5206,7 @@
             <a:r>
               <a:rPr lang="en-GB" sz="5400" b="1" dirty="0">
                 <a:solidFill>
-                  <a:srgbClr val="0070C0"/>
+                  <a:srgbClr val="100B0F"/>
                 </a:solidFill>
               </a:rPr>
               <a:t> </a:t>
@@ -5221,14 +5214,14 @@
             <a:br>
               <a:rPr lang="en-GB" sz="5400" b="1" dirty="0">
                 <a:solidFill>
-                  <a:srgbClr val="0070C0"/>
+                  <a:srgbClr val="100B0F"/>
                 </a:solidFill>
               </a:rPr>
             </a:br>
             <a:r>
               <a:rPr lang="en-GB" sz="5400" b="1" dirty="0" err="1">
                 <a:solidFill>
-                  <a:srgbClr val="0070C0"/>
+                  <a:srgbClr val="100B0F"/>
                 </a:solidFill>
               </a:rPr>
               <a:t>Samy</a:t>
@@ -5236,15 +5229,15 @@
             <a:r>
               <a:rPr lang="en-GB" sz="5400" b="1" dirty="0">
                 <a:solidFill>
-                  <a:srgbClr val="0070C0"/>
-                </a:solidFill>
-              </a:rPr>
-              <a:t> </a:t>
-            </a:r>
-            <a:r>
-              <a:rPr lang="en-GB" sz="5400" b="1" dirty="0" err="1">
-                <a:solidFill>
-                  <a:srgbClr val="0070C0"/>
+                  <a:srgbClr val="100B0F"/>
+                </a:solidFill>
+              </a:rPr>
+              <a:t> </a:t>
+            </a:r>
+            <a:r>
+              <a:rPr lang="en-GB" sz="5400" b="1" dirty="0" err="1">
+                <a:solidFill>
+                  <a:srgbClr val="100B0F"/>
                 </a:solidFill>
               </a:rPr>
               <a:t>manakivy</a:t>
@@ -5252,15 +5245,15 @@
             <a:r>
               <a:rPr lang="en-GB" sz="5400" b="1" dirty="0">
                 <a:solidFill>
-                  <a:srgbClr val="0070C0"/>
-                </a:solidFill>
-              </a:rPr>
-              <a:t> </a:t>
-            </a:r>
-            <a:r>
-              <a:rPr lang="en-GB" sz="5400" b="1" dirty="0" err="1">
-                <a:solidFill>
-                  <a:srgbClr val="0070C0"/>
+                  <a:srgbClr val="100B0F"/>
+                </a:solidFill>
+              </a:rPr>
+              <a:t> </a:t>
+            </a:r>
+            <a:r>
+              <a:rPr lang="en-GB" sz="5400" b="1" dirty="0" err="1">
+                <a:solidFill>
+                  <a:srgbClr val="100B0F"/>
                 </a:solidFill>
               </a:rPr>
               <a:t>anay</a:t>
@@ -5268,7 +5261,7 @@
             <a:r>
               <a:rPr lang="en-GB" sz="5400" b="1" dirty="0">
                 <a:solidFill>
-                  <a:srgbClr val="0070C0"/>
+                  <a:srgbClr val="100B0F"/>
                 </a:solidFill>
               </a:rPr>
               <a:t>,</a:t>
@@ -5276,7 +5269,7 @@
             <a:r>
               <a:rPr lang="fr-FR" sz="5400" b="1" dirty="0">
                 <a:solidFill>
-                  <a:srgbClr val="0070C0"/>
+                  <a:srgbClr val="100B0F"/>
                 </a:solidFill>
               </a:rPr>
               <a:t/>
@@ -5284,14 +5277,14 @@
             <a:br>
               <a:rPr lang="fr-FR" sz="5400" b="1" dirty="0">
                 <a:solidFill>
-                  <a:srgbClr val="0070C0"/>
+                  <a:srgbClr val="100B0F"/>
                 </a:solidFill>
               </a:rPr>
             </a:br>
             <a:r>
               <a:rPr lang="en-GB" sz="5400" b="1" dirty="0">
                 <a:solidFill>
-                  <a:srgbClr val="0070C0"/>
+                  <a:srgbClr val="100B0F"/>
                 </a:solidFill>
               </a:rPr>
               <a:t>Ka </a:t>
@@ -5299,7 +5292,7 @@
             <a:r>
               <a:rPr lang="en-GB" sz="5400" b="1" dirty="0" err="1">
                 <a:solidFill>
-                  <a:srgbClr val="0070C0"/>
+                  <a:srgbClr val="100B0F"/>
                 </a:solidFill>
               </a:rPr>
               <a:t>taomy</a:t>
@@ -5307,7 +5300,7 @@
             <a:r>
               <a:rPr lang="en-GB" sz="5400" b="1" dirty="0">
                 <a:solidFill>
-                  <a:srgbClr val="0070C0"/>
+                  <a:srgbClr val="100B0F"/>
                 </a:solidFill>
               </a:rPr>
               <a:t>, </a:t>
@@ -5315,7 +5308,7 @@
             <a:r>
               <a:rPr lang="en-GB" sz="5400" b="1" dirty="0" err="1">
                 <a:solidFill>
-                  <a:srgbClr val="0070C0"/>
+                  <a:srgbClr val="100B0F"/>
                 </a:solidFill>
               </a:rPr>
               <a:t>taomy</a:t>
@@ -5323,15 +5316,15 @@
             <a:r>
               <a:rPr lang="en-GB" sz="5400" b="1" dirty="0">
                 <a:solidFill>
-                  <a:srgbClr val="0070C0"/>
-                </a:solidFill>
-              </a:rPr>
-              <a:t> </a:t>
-            </a:r>
-            <a:r>
-              <a:rPr lang="en-GB" sz="5400" b="1" dirty="0" err="1">
-                <a:solidFill>
-                  <a:srgbClr val="0070C0"/>
+                  <a:srgbClr val="100B0F"/>
+                </a:solidFill>
+              </a:rPr>
+              <a:t> </a:t>
+            </a:r>
+            <a:r>
+              <a:rPr lang="en-GB" sz="5400" b="1" dirty="0" err="1">
+                <a:solidFill>
+                  <a:srgbClr val="100B0F"/>
                 </a:solidFill>
               </a:rPr>
               <a:t>hanam-po</a:t>
@@ -5339,15 +5332,15 @@
             <a:r>
               <a:rPr lang="en-GB" sz="5400" b="1" dirty="0">
                 <a:solidFill>
-                  <a:srgbClr val="0070C0"/>
-                </a:solidFill>
-              </a:rPr>
-              <a:t> </a:t>
-            </a:r>
-            <a:r>
-              <a:rPr lang="en-GB" sz="5400" b="1" dirty="0" err="1">
-                <a:solidFill>
-                  <a:srgbClr val="0070C0"/>
+                  <a:srgbClr val="100B0F"/>
+                </a:solidFill>
+              </a:rPr>
+              <a:t> </a:t>
+            </a:r>
+            <a:r>
+              <a:rPr lang="en-GB" sz="5400" b="1" dirty="0" err="1">
+                <a:solidFill>
+                  <a:srgbClr val="100B0F"/>
                 </a:solidFill>
               </a:rPr>
               <a:t>mafana</a:t>
@@ -5355,7 +5348,7 @@
             <a:r>
               <a:rPr lang="en-GB" sz="5400" b="1" dirty="0">
                 <a:solidFill>
-                  <a:srgbClr val="0070C0"/>
+                  <a:srgbClr val="100B0F"/>
                 </a:solidFill>
               </a:rPr>
               <a:t>,</a:t>
@@ -5363,7 +5356,7 @@
             <a:r>
               <a:rPr lang="fr-FR" sz="5400" b="1" dirty="0">
                 <a:solidFill>
-                  <a:srgbClr val="0070C0"/>
+                  <a:srgbClr val="100B0F"/>
                 </a:solidFill>
               </a:rPr>
               <a:t/>
@@ -5371,14 +5364,14 @@
             <a:br>
               <a:rPr lang="fr-FR" sz="5400" b="1" dirty="0">
                 <a:solidFill>
-                  <a:srgbClr val="0070C0"/>
+                  <a:srgbClr val="100B0F"/>
                 </a:solidFill>
               </a:rPr>
             </a:br>
             <a:r>
               <a:rPr lang="en-GB" sz="5400" b="1" dirty="0" err="1">
                 <a:solidFill>
-                  <a:srgbClr val="0070C0"/>
+                  <a:srgbClr val="100B0F"/>
                 </a:solidFill>
               </a:rPr>
               <a:t>Herim-po</a:t>
@@ -5386,15 +5379,15 @@
             <a:r>
               <a:rPr lang="en-GB" sz="5400" b="1" dirty="0">
                 <a:solidFill>
-                  <a:srgbClr val="0070C0"/>
-                </a:solidFill>
-              </a:rPr>
-              <a:t> </a:t>
-            </a:r>
-            <a:r>
-              <a:rPr lang="en-GB" sz="5400" b="1" dirty="0" err="1">
-                <a:solidFill>
-                  <a:srgbClr val="0070C0"/>
+                  <a:srgbClr val="100B0F"/>
+                </a:solidFill>
+              </a:rPr>
+              <a:t> </a:t>
+            </a:r>
+            <a:r>
+              <a:rPr lang="en-GB" sz="5400" b="1" dirty="0" err="1">
+                <a:solidFill>
+                  <a:srgbClr val="100B0F"/>
                 </a:solidFill>
               </a:rPr>
               <a:t>vaovao</a:t>
@@ -5402,15 +5395,15 @@
             <a:r>
               <a:rPr lang="en-GB" sz="5400" b="1" dirty="0">
                 <a:solidFill>
-                  <a:srgbClr val="0070C0"/>
-                </a:solidFill>
-              </a:rPr>
-              <a:t> </a:t>
-            </a:r>
-            <a:r>
-              <a:rPr lang="en-GB" sz="5400" b="1" dirty="0" err="1">
-                <a:solidFill>
-                  <a:srgbClr val="0070C0"/>
+                  <a:srgbClr val="100B0F"/>
+                </a:solidFill>
+              </a:rPr>
+              <a:t> </a:t>
+            </a:r>
+            <a:r>
+              <a:rPr lang="en-GB" sz="5400" b="1" dirty="0" err="1">
+                <a:solidFill>
+                  <a:srgbClr val="100B0F"/>
                 </a:solidFill>
               </a:rPr>
               <a:t>hiasa</a:t>
@@ -5418,7 +5411,7 @@
             <a:r>
               <a:rPr lang="en-GB" sz="5400" b="1" dirty="0">
                 <a:solidFill>
-                  <a:srgbClr val="0070C0"/>
+                  <a:srgbClr val="100B0F"/>
                 </a:solidFill>
               </a:rPr>
               <a:t> ho </a:t>
@@ -5426,7 +5419,7 @@
             <a:r>
               <a:rPr lang="en-GB" sz="5400" b="1" dirty="0" err="1">
                 <a:solidFill>
-                  <a:srgbClr val="0070C0"/>
+                  <a:srgbClr val="100B0F"/>
                 </a:solidFill>
               </a:rPr>
               <a:t>Anao</a:t>
@@ -5434,14 +5427,14 @@
             <a:r>
               <a:rPr lang="en-GB" sz="5400" b="1" dirty="0">
                 <a:solidFill>
-                  <a:srgbClr val="0070C0"/>
+                  <a:srgbClr val="100B0F"/>
                 </a:solidFill>
               </a:rPr>
               <a:t>.</a:t>
             </a:r>
             <a:endParaRPr lang="fr-FR" sz="5400" b="1" dirty="0">
               <a:solidFill>
-                <a:srgbClr val="0070C0"/>
+                <a:srgbClr val="100B0F"/>
               </a:solidFill>
             </a:endParaRPr>
           </a:p>
